--- a/courses/slides/carlson2010_presentation.pptx
+++ b/courses/slides/carlson2010_presentation.pptx
@@ -6,21 +6,24 @@
     <p:sldMasterId id="2147483660" r:id="rId2"/>
   </p:sldMasterIdLst>
   <p:notesMasterIdLst>
-    <p:notesMasterId r:id="rId15"/>
+    <p:notesMasterId r:id="rId18"/>
   </p:notesMasterIdLst>
   <p:sldIdLst>
     <p:sldId id="256" r:id="rId3"/>
-    <p:sldId id="257" r:id="rId4"/>
-    <p:sldId id="260" r:id="rId5"/>
-    <p:sldId id="262" r:id="rId6"/>
-    <p:sldId id="263" r:id="rId7"/>
-    <p:sldId id="264" r:id="rId8"/>
-    <p:sldId id="265" r:id="rId9"/>
-    <p:sldId id="266" r:id="rId10"/>
-    <p:sldId id="267" r:id="rId11"/>
-    <p:sldId id="270" r:id="rId12"/>
-    <p:sldId id="268" r:id="rId13"/>
-    <p:sldId id="269" r:id="rId14"/>
+    <p:sldId id="271" r:id="rId4"/>
+    <p:sldId id="257" r:id="rId5"/>
+    <p:sldId id="260" r:id="rId6"/>
+    <p:sldId id="262" r:id="rId7"/>
+    <p:sldId id="263" r:id="rId8"/>
+    <p:sldId id="264" r:id="rId9"/>
+    <p:sldId id="265" r:id="rId10"/>
+    <p:sldId id="266" r:id="rId11"/>
+    <p:sldId id="272" r:id="rId12"/>
+    <p:sldId id="273" r:id="rId13"/>
+    <p:sldId id="267" r:id="rId14"/>
+    <p:sldId id="270" r:id="rId15"/>
+    <p:sldId id="268" r:id="rId16"/>
+    <p:sldId id="269" r:id="rId17"/>
   </p:sldIdLst>
   <p:sldSz cx="12192000" cy="6858000"/>
   <p:notesSz cx="6858000" cy="9144000"/>
@@ -556,6 +559,438 @@
 </p:notes>
 </file>
 
+<file path=ppt/notesSlides/notesSlide10.xml><?xml version="1.0" encoding="utf-8"?>
+<p:notes xmlns:a="http://schemas.openxmlformats.org/drawingml/2006/main" xmlns:r="http://schemas.openxmlformats.org/officeDocument/2006/relationships" xmlns:p="http://schemas.openxmlformats.org/presentationml/2006/main">
+  <p:cSld>
+    <p:spTree>
+      <p:nvGrpSpPr>
+        <p:cNvPr id="1" name=""/>
+        <p:cNvGrpSpPr/>
+        <p:nvPr/>
+      </p:nvGrpSpPr>
+      <p:grpSpPr>
+        <a:xfrm>
+          <a:off x="0" y="0"/>
+          <a:ext cx="0" cy="0"/>
+          <a:chOff x="0" y="0"/>
+          <a:chExt cx="0" cy="0"/>
+        </a:xfrm>
+      </p:grpSpPr>
+      <p:sp>
+        <p:nvSpPr>
+          <p:cNvPr id="2" name="Slide Image Placeholder 1"/>
+          <p:cNvSpPr>
+            <a:spLocks noGrp="1" noRot="1" noChangeAspect="1"/>
+          </p:cNvSpPr>
+          <p:nvPr>
+            <p:ph type="sldImg"/>
+          </p:nvPr>
+        </p:nvSpPr>
+        <p:spPr/>
+      </p:sp>
+      <p:sp>
+        <p:nvSpPr>
+          <p:cNvPr id="3" name="Notes Placeholder 2"/>
+          <p:cNvSpPr>
+            <a:spLocks noGrp="1"/>
+          </p:cNvSpPr>
+          <p:nvPr>
+            <p:ph type="body" idx="1"/>
+          </p:nvPr>
+        </p:nvSpPr>
+        <p:spPr/>
+        <p:txBody>
+          <a:bodyPr/>
+          <a:lstStyle/>
+          <a:p>
+            <a:r>
+              <a:rPr lang="en-US" dirty="0" smtClean="0"/>
+              <a:t>More detail on how the Coupled</a:t>
+            </a:r>
+            <a:r>
+              <a:rPr lang="en-US" baseline="0" dirty="0" smtClean="0"/>
+              <a:t> Pattern Learner works.  This is a method for pattern-based learning on unstructured text, so what we’re looking for is literal, unstructured, string patterns.</a:t>
+            </a:r>
+            <a:br>
+              <a:rPr lang="en-US" baseline="0" dirty="0" smtClean="0"/>
+            </a:br>
+            <a:r>
+              <a:rPr lang="en-US" baseline="0" dirty="0" smtClean="0"/>
+              <a:t>Step 1 is to use all of the promoted category and relation instances and patterns (in the first run, this is the seed data) in order to find new candidate instances and patterns, by looking for string matches.  So, if we’re using the category “Baseball Player” and we have a promoted instance of “Babe Ruth”, any pattern found around “Babe Ruth”, as long as it obeys certain syntactic constraints, is considered a candidate pattern for Baseball Player.  Similarly, if the pattern “broke the home run record” is promoted, then the NP “Babe Ruth”, found in the arg1 position, is considered a candidate instance.</a:t>
+            </a:r>
+          </a:p>
+          <a:p>
+            <a:r>
+              <a:rPr lang="en-US" baseline="0" dirty="0" smtClean="0"/>
+              <a:t>Step 2 is to filter the candidates using the two coupling constraints that apply at this stage: namely, mutual-exclusion and type-checking.  Mutual-exclusion </a:t>
+            </a:r>
+            <a:r>
+              <a:rPr lang="en-US" baseline="0" dirty="0" smtClean="0"/>
+              <a:t>(and possibly type-checking) </a:t>
+            </a:r>
+            <a:r>
+              <a:rPr lang="en-US" baseline="0" dirty="0" smtClean="0"/>
+              <a:t>constraints are specified in the input ontology—there is no mechanism for extracting these from observed data.</a:t>
+            </a:r>
+          </a:p>
+          <a:p>
+            <a:r>
+              <a:rPr lang="en-US" baseline="0" dirty="0" smtClean="0"/>
+              <a:t>Step 3 is to rank candidates; instances are preferred based on the number of distinct promoted patterns they co-occur with, and patterns are preferred based on how commonly they appear with a promoted instance compared to how commonly they appear in the entire corpus.</a:t>
+            </a:r>
+          </a:p>
+          <a:p>
+            <a:r>
+              <a:rPr lang="en-US" baseline="0" dirty="0" smtClean="0"/>
+              <a:t>-&gt; I take some issue with both of these rankings; the first seems like it should suffer from not ranking instances that can only appear with very few patterns, and the second from not ranking patterns that are common English constructs.</a:t>
+            </a:r>
+          </a:p>
+          <a:p>
+            <a:r>
+              <a:rPr lang="en-US" baseline="0" dirty="0" smtClean="0"/>
+              <a:t>Step 4 is straightforward—take the highly-ranked candidates and promote them,</a:t>
+            </a:r>
+          </a:p>
+          <a:p>
+            <a:r>
+              <a:rPr lang="en-US" baseline="0" dirty="0" smtClean="0"/>
+              <a:t>And then continue apace.</a:t>
+            </a:r>
+          </a:p>
+          <a:p>
+            <a:r>
+              <a:rPr lang="en-US" baseline="0" dirty="0" smtClean="0"/>
+              <a:t>See illustration of candidate extraction below.</a:t>
+            </a:r>
+            <a:endParaRPr lang="en-US" dirty="0"/>
+          </a:p>
+        </p:txBody>
+      </p:sp>
+      <p:sp>
+        <p:nvSpPr>
+          <p:cNvPr id="4" name="Slide Number Placeholder 3"/>
+          <p:cNvSpPr>
+            <a:spLocks noGrp="1"/>
+          </p:cNvSpPr>
+          <p:nvPr>
+            <p:ph type="sldNum" sz="quarter" idx="10"/>
+          </p:nvPr>
+        </p:nvSpPr>
+        <p:spPr/>
+        <p:txBody>
+          <a:bodyPr/>
+          <a:lstStyle/>
+          <a:p>
+            <a:fld id="{38E89B2E-D76A-498B-B6C9-2A0A7E4514B4}" type="slidenum">
+              <a:rPr lang="en-US" smtClean="0"/>
+              <a:t>11</a:t>
+            </a:fld>
+            <a:endParaRPr lang="en-US"/>
+          </a:p>
+        </p:txBody>
+      </p:sp>
+    </p:spTree>
+    <p:extLst>
+      <p:ext uri="{BB962C8B-B14F-4D97-AF65-F5344CB8AC3E}">
+        <p14:creationId xmlns:p14="http://schemas.microsoft.com/office/powerpoint/2010/main" val="261448155"/>
+      </p:ext>
+    </p:extLst>
+  </p:cSld>
+  <p:clrMapOvr>
+    <a:masterClrMapping/>
+  </p:clrMapOvr>
+</p:notes>
+</file>
+
+<file path=ppt/notesSlides/notesSlide11.xml><?xml version="1.0" encoding="utf-8"?>
+<p:notes xmlns:a="http://schemas.openxmlformats.org/drawingml/2006/main" xmlns:r="http://schemas.openxmlformats.org/officeDocument/2006/relationships" xmlns:p="http://schemas.openxmlformats.org/presentationml/2006/main">
+  <p:cSld>
+    <p:spTree>
+      <p:nvGrpSpPr>
+        <p:cNvPr id="1" name=""/>
+        <p:cNvGrpSpPr/>
+        <p:nvPr/>
+      </p:nvGrpSpPr>
+      <p:grpSpPr>
+        <a:xfrm>
+          <a:off x="0" y="0"/>
+          <a:ext cx="0" cy="0"/>
+          <a:chOff x="0" y="0"/>
+          <a:chExt cx="0" cy="0"/>
+        </a:xfrm>
+      </p:grpSpPr>
+      <p:sp>
+        <p:nvSpPr>
+          <p:cNvPr id="2" name="Slide Image Placeholder 1"/>
+          <p:cNvSpPr>
+            <a:spLocks noGrp="1" noRot="1" noChangeAspect="1"/>
+          </p:cNvSpPr>
+          <p:nvPr>
+            <p:ph type="sldImg"/>
+          </p:nvPr>
+        </p:nvSpPr>
+        <p:spPr/>
+      </p:sp>
+      <p:sp>
+        <p:nvSpPr>
+          <p:cNvPr id="3" name="Notes Placeholder 2"/>
+          <p:cNvSpPr>
+            <a:spLocks noGrp="1"/>
+          </p:cNvSpPr>
+          <p:nvPr>
+            <p:ph type="body" idx="1"/>
+          </p:nvPr>
+        </p:nvSpPr>
+        <p:spPr/>
+        <p:txBody>
+          <a:bodyPr/>
+          <a:lstStyle/>
+          <a:p>
+            <a:r>
+              <a:rPr lang="en-US" dirty="0" smtClean="0"/>
+              <a:t>CSEAL follows a similar pattern.  There are no</a:t>
+            </a:r>
+            <a:r>
+              <a:rPr lang="en-US" baseline="0" dirty="0" smtClean="0"/>
+              <a:t> direct modifications to the SEAL algorithm, so it is treated as a black box that extracts candidates and wrappers from HTML.  Filtering here is the same as in CPL, using mutual-exclusion and type-checking constraints.</a:t>
+            </a:r>
+          </a:p>
+          <a:p>
+            <a:r>
+              <a:rPr lang="en-US" baseline="0" dirty="0" smtClean="0"/>
+              <a:t>Candidate ranking is performed based solely on the unfiltered count of wrappers that extracted the candidate.  The top-ranked 100 candidate instances are then promoted and we move on.</a:t>
+            </a:r>
+          </a:p>
+          <a:p>
+            <a:r>
+              <a:rPr lang="en-US" baseline="0" dirty="0" smtClean="0"/>
+              <a:t>See example at bottom.</a:t>
+            </a:r>
+          </a:p>
+          <a:p>
+            <a:r>
+              <a:rPr lang="en-US" baseline="0" dirty="0" smtClean="0"/>
+              <a:t>From what I understood, CSEAL does not rank/promote wrapper patterns—however, all the information to do so appears to be provided by SEAL’s output, so I’m not sure why this is the case.</a:t>
+            </a:r>
+          </a:p>
+        </p:txBody>
+      </p:sp>
+      <p:sp>
+        <p:nvSpPr>
+          <p:cNvPr id="4" name="Slide Number Placeholder 3"/>
+          <p:cNvSpPr>
+            <a:spLocks noGrp="1"/>
+          </p:cNvSpPr>
+          <p:nvPr>
+            <p:ph type="sldNum" sz="quarter" idx="10"/>
+          </p:nvPr>
+        </p:nvSpPr>
+        <p:spPr/>
+        <p:txBody>
+          <a:bodyPr/>
+          <a:lstStyle/>
+          <a:p>
+            <a:fld id="{38E89B2E-D76A-498B-B6C9-2A0A7E4514B4}" type="slidenum">
+              <a:rPr lang="en-US" smtClean="0"/>
+              <a:t>12</a:t>
+            </a:fld>
+            <a:endParaRPr lang="en-US"/>
+          </a:p>
+        </p:txBody>
+      </p:sp>
+    </p:spTree>
+    <p:extLst>
+      <p:ext uri="{BB962C8B-B14F-4D97-AF65-F5344CB8AC3E}">
+        <p14:creationId xmlns:p14="http://schemas.microsoft.com/office/powerpoint/2010/main" val="3947929156"/>
+      </p:ext>
+    </p:extLst>
+  </p:cSld>
+  <p:clrMapOvr>
+    <a:masterClrMapping/>
+  </p:clrMapOvr>
+</p:notes>
+</file>
+
+<file path=ppt/notesSlides/notesSlide12.xml><?xml version="1.0" encoding="utf-8"?>
+<p:notes xmlns:a="http://schemas.openxmlformats.org/drawingml/2006/main" xmlns:r="http://schemas.openxmlformats.org/officeDocument/2006/relationships" xmlns:p="http://schemas.openxmlformats.org/presentationml/2006/main">
+  <p:cSld>
+    <p:spTree>
+      <p:nvGrpSpPr>
+        <p:cNvPr id="1" name=""/>
+        <p:cNvGrpSpPr/>
+        <p:nvPr/>
+      </p:nvGrpSpPr>
+      <p:grpSpPr>
+        <a:xfrm>
+          <a:off x="0" y="0"/>
+          <a:ext cx="0" cy="0"/>
+          <a:chOff x="0" y="0"/>
+          <a:chExt cx="0" cy="0"/>
+        </a:xfrm>
+      </p:grpSpPr>
+      <p:sp>
+        <p:nvSpPr>
+          <p:cNvPr id="2" name="Slide Image Placeholder 1"/>
+          <p:cNvSpPr>
+            <a:spLocks noGrp="1" noRot="1" noChangeAspect="1"/>
+          </p:cNvSpPr>
+          <p:nvPr>
+            <p:ph type="sldImg"/>
+          </p:nvPr>
+        </p:nvSpPr>
+        <p:spPr/>
+      </p:sp>
+      <p:sp>
+        <p:nvSpPr>
+          <p:cNvPr id="3" name="Notes Placeholder 2"/>
+          <p:cNvSpPr>
+            <a:spLocks noGrp="1"/>
+          </p:cNvSpPr>
+          <p:nvPr>
+            <p:ph type="body" idx="1"/>
+          </p:nvPr>
+        </p:nvSpPr>
+        <p:spPr/>
+        <p:txBody>
+          <a:bodyPr/>
+          <a:lstStyle/>
+          <a:p>
+            <a:r>
+              <a:rPr lang="en-US" dirty="0" smtClean="0"/>
+              <a:t>The Meta-Bootstrap</a:t>
+            </a:r>
+            <a:r>
+              <a:rPr lang="en-US" baseline="0" dirty="0" smtClean="0"/>
+              <a:t> Learner is relatively simple—CPL and CSEAL are run independently, with the one modification that instead of promoting candidates themselves, they report top candidates to MBL.  The results from both runs are compared, and candidates that A) were found as candidates for the same category by both algorithms and B) do not violate coupling constraints are promoted.  CPL and CSEAL are then re-run with the new promoted candidates, and so on.</a:t>
+            </a:r>
+            <a:endParaRPr lang="en-US" dirty="0"/>
+          </a:p>
+        </p:txBody>
+      </p:sp>
+      <p:sp>
+        <p:nvSpPr>
+          <p:cNvPr id="4" name="Slide Number Placeholder 3"/>
+          <p:cNvSpPr>
+            <a:spLocks noGrp="1"/>
+          </p:cNvSpPr>
+          <p:nvPr>
+            <p:ph type="sldNum" sz="quarter" idx="10"/>
+          </p:nvPr>
+        </p:nvSpPr>
+        <p:spPr/>
+        <p:txBody>
+          <a:bodyPr/>
+          <a:lstStyle/>
+          <a:p>
+            <a:fld id="{38E89B2E-D76A-498B-B6C9-2A0A7E4514B4}" type="slidenum">
+              <a:rPr lang="en-US" smtClean="0"/>
+              <a:t>13</a:t>
+            </a:fld>
+            <a:endParaRPr lang="en-US"/>
+          </a:p>
+        </p:txBody>
+      </p:sp>
+    </p:spTree>
+    <p:extLst>
+      <p:ext uri="{BB962C8B-B14F-4D97-AF65-F5344CB8AC3E}">
+        <p14:creationId xmlns:p14="http://schemas.microsoft.com/office/powerpoint/2010/main" val="2748581840"/>
+      </p:ext>
+    </p:extLst>
+  </p:cSld>
+  <p:clrMapOvr>
+    <a:masterClrMapping/>
+  </p:clrMapOvr>
+</p:notes>
+</file>
+
+<file path=ppt/notesSlides/notesSlide13.xml><?xml version="1.0" encoding="utf-8"?>
+<p:notes xmlns:a="http://schemas.openxmlformats.org/drawingml/2006/main" xmlns:r="http://schemas.openxmlformats.org/officeDocument/2006/relationships" xmlns:p="http://schemas.openxmlformats.org/presentationml/2006/main">
+  <p:cSld>
+    <p:spTree>
+      <p:nvGrpSpPr>
+        <p:cNvPr id="1" name=""/>
+        <p:cNvGrpSpPr/>
+        <p:nvPr/>
+      </p:nvGrpSpPr>
+      <p:grpSpPr>
+        <a:xfrm>
+          <a:off x="0" y="0"/>
+          <a:ext cx="0" cy="0"/>
+          <a:chOff x="0" y="0"/>
+          <a:chExt cx="0" cy="0"/>
+        </a:xfrm>
+      </p:grpSpPr>
+      <p:sp>
+        <p:nvSpPr>
+          <p:cNvPr id="2" name="Slide Image Placeholder 1"/>
+          <p:cNvSpPr>
+            <a:spLocks noGrp="1" noRot="1" noChangeAspect="1"/>
+          </p:cNvSpPr>
+          <p:nvPr>
+            <p:ph type="sldImg"/>
+          </p:nvPr>
+        </p:nvSpPr>
+        <p:spPr/>
+      </p:sp>
+      <p:sp>
+        <p:nvSpPr>
+          <p:cNvPr id="3" name="Notes Placeholder 2"/>
+          <p:cNvSpPr>
+            <a:spLocks noGrp="1"/>
+          </p:cNvSpPr>
+          <p:nvPr>
+            <p:ph type="body" idx="1"/>
+          </p:nvPr>
+        </p:nvSpPr>
+        <p:spPr/>
+        <p:txBody>
+          <a:bodyPr/>
+          <a:lstStyle/>
+          <a:p>
+            <a:r>
+              <a:rPr lang="en-US" dirty="0" smtClean="0"/>
+              <a:t>Three</a:t>
+            </a:r>
+            <a:endParaRPr lang="en-US" dirty="0"/>
+          </a:p>
+        </p:txBody>
+      </p:sp>
+      <p:sp>
+        <p:nvSpPr>
+          <p:cNvPr id="4" name="Slide Number Placeholder 3"/>
+          <p:cNvSpPr>
+            <a:spLocks noGrp="1"/>
+          </p:cNvSpPr>
+          <p:nvPr>
+            <p:ph type="sldNum" sz="quarter" idx="10"/>
+          </p:nvPr>
+        </p:nvSpPr>
+        <p:spPr/>
+        <p:txBody>
+          <a:bodyPr/>
+          <a:lstStyle/>
+          <a:p>
+            <a:fld id="{38E89B2E-D76A-498B-B6C9-2A0A7E4514B4}" type="slidenum">
+              <a:rPr lang="en-US" smtClean="0"/>
+              <a:t>14</a:t>
+            </a:fld>
+            <a:endParaRPr lang="en-US"/>
+          </a:p>
+        </p:txBody>
+      </p:sp>
+    </p:spTree>
+    <p:extLst>
+      <p:ext uri="{BB962C8B-B14F-4D97-AF65-F5344CB8AC3E}">
+        <p14:creationId xmlns:p14="http://schemas.microsoft.com/office/powerpoint/2010/main" val="4248187364"/>
+      </p:ext>
+    </p:extLst>
+  </p:cSld>
+  <p:clrMapOvr>
+    <a:masterClrMapping/>
+  </p:clrMapOvr>
+</p:notes>
+</file>
+
 <file path=ppt/notesSlides/notesSlide2.xml><?xml version="1.0" encoding="utf-8"?>
 <p:notes xmlns:a="http://schemas.openxmlformats.org/drawingml/2006/main" xmlns:r="http://schemas.openxmlformats.org/officeDocument/2006/relationships" xmlns:p="http://schemas.openxmlformats.org/presentationml/2006/main">
   <p:cSld>
@@ -636,7 +1071,7 @@
           <a:p>
             <a:fld id="{38E89B2E-D76A-498B-B6C9-2A0A7E4514B4}" type="slidenum">
               <a:rPr lang="en-US" smtClean="0"/>
-              <a:t>2</a:t>
+              <a:t>3</a:t>
             </a:fld>
             <a:endParaRPr lang="en-US"/>
           </a:p>
@@ -755,7 +1190,7 @@
           <a:p>
             <a:fld id="{38E89B2E-D76A-498B-B6C9-2A0A7E4514B4}" type="slidenum">
               <a:rPr lang="en-US" smtClean="0"/>
-              <a:t>3</a:t>
+              <a:t>4</a:t>
             </a:fld>
             <a:endParaRPr lang="en-US"/>
           </a:p>
@@ -847,7 +1282,7 @@
           <a:p>
             <a:fld id="{38E89B2E-D76A-498B-B6C9-2A0A7E4514B4}" type="slidenum">
               <a:rPr lang="en-US" smtClean="0"/>
-              <a:t>4</a:t>
+              <a:t>5</a:t>
             </a:fld>
             <a:endParaRPr lang="en-US"/>
           </a:p>
@@ -939,7 +1374,7 @@
           <a:p>
             <a:fld id="{38E89B2E-D76A-498B-B6C9-2A0A7E4514B4}" type="slidenum">
               <a:rPr lang="en-US" smtClean="0"/>
-              <a:t>5</a:t>
+              <a:t>6</a:t>
             </a:fld>
             <a:endParaRPr lang="en-US"/>
           </a:p>
@@ -1006,6 +1441,12 @@
               <a:rPr lang="en-US" dirty="0" smtClean="0"/>
               <a:t>The authors consider three abstract types of coupling constraints, which roughly correspond to the three specific constraints leveraged in the paper.</a:t>
             </a:r>
+          </a:p>
+          <a:p>
+            <a:r>
+              <a:rPr lang="en-US" dirty="0" smtClean="0"/>
+              <a:t>Questions?</a:t>
+            </a:r>
             <a:endParaRPr lang="en-US" dirty="0"/>
           </a:p>
         </p:txBody>
@@ -1027,7 +1468,7 @@
           <a:p>
             <a:fld id="{38E89B2E-D76A-498B-B6C9-2A0A7E4514B4}" type="slidenum">
               <a:rPr lang="en-US" smtClean="0"/>
-              <a:t>6</a:t>
+              <a:t>7</a:t>
             </a:fld>
             <a:endParaRPr lang="en-US"/>
           </a:p>
@@ -1037,6 +1478,384 @@
     <p:extLst>
       <p:ext uri="{BB962C8B-B14F-4D97-AF65-F5344CB8AC3E}">
         <p14:creationId xmlns:p14="http://schemas.microsoft.com/office/powerpoint/2010/main" val="2425555854"/>
+      </p:ext>
+    </p:extLst>
+  </p:cSld>
+  <p:clrMapOvr>
+    <a:masterClrMapping/>
+  </p:clrMapOvr>
+</p:notes>
+</file>
+
+<file path=ppt/notesSlides/notesSlide7.xml><?xml version="1.0" encoding="utf-8"?>
+<p:notes xmlns:a="http://schemas.openxmlformats.org/drawingml/2006/main" xmlns:r="http://schemas.openxmlformats.org/officeDocument/2006/relationships" xmlns:p="http://schemas.openxmlformats.org/presentationml/2006/main">
+  <p:cSld>
+    <p:spTree>
+      <p:nvGrpSpPr>
+        <p:cNvPr id="1" name=""/>
+        <p:cNvGrpSpPr/>
+        <p:nvPr/>
+      </p:nvGrpSpPr>
+      <p:grpSpPr>
+        <a:xfrm>
+          <a:off x="0" y="0"/>
+          <a:ext cx="0" cy="0"/>
+          <a:chOff x="0" y="0"/>
+          <a:chExt cx="0" cy="0"/>
+        </a:xfrm>
+      </p:grpSpPr>
+      <p:sp>
+        <p:nvSpPr>
+          <p:cNvPr id="2" name="Slide Image Placeholder 1"/>
+          <p:cNvSpPr>
+            <a:spLocks noGrp="1" noRot="1" noChangeAspect="1"/>
+          </p:cNvSpPr>
+          <p:nvPr>
+            <p:ph type="sldImg"/>
+          </p:nvPr>
+        </p:nvSpPr>
+        <p:spPr/>
+      </p:sp>
+      <p:sp>
+        <p:nvSpPr>
+          <p:cNvPr id="3" name="Notes Placeholder 2"/>
+          <p:cNvSpPr>
+            <a:spLocks noGrp="1"/>
+          </p:cNvSpPr>
+          <p:nvPr>
+            <p:ph type="body" idx="1"/>
+          </p:nvPr>
+        </p:nvSpPr>
+        <p:spPr/>
+        <p:txBody>
+          <a:bodyPr/>
+          <a:lstStyle/>
+          <a:p>
+            <a:r>
+              <a:rPr lang="en-US" dirty="0" smtClean="0"/>
+              <a:t>The</a:t>
+            </a:r>
+            <a:r>
+              <a:rPr lang="en-US" baseline="0" dirty="0" smtClean="0"/>
+              <a:t> overall structure proposed in the paper looks something like this: functional coupling is used at the first level in independent runs of CPL and CSEAL, and the second level then uses multi-view coupling to combine the results from the first runs into the MBL.  A complete iteration of the learner requires running through both steps.</a:t>
+            </a:r>
+            <a:endParaRPr lang="en-US" dirty="0"/>
+          </a:p>
+        </p:txBody>
+      </p:sp>
+      <p:sp>
+        <p:nvSpPr>
+          <p:cNvPr id="4" name="Slide Number Placeholder 3"/>
+          <p:cNvSpPr>
+            <a:spLocks noGrp="1"/>
+          </p:cNvSpPr>
+          <p:nvPr>
+            <p:ph type="sldNum" sz="quarter" idx="10"/>
+          </p:nvPr>
+        </p:nvSpPr>
+        <p:spPr/>
+        <p:txBody>
+          <a:bodyPr/>
+          <a:lstStyle/>
+          <a:p>
+            <a:fld id="{38E89B2E-D76A-498B-B6C9-2A0A7E4514B4}" type="slidenum">
+              <a:rPr lang="en-US" smtClean="0"/>
+              <a:t>8</a:t>
+            </a:fld>
+            <a:endParaRPr lang="en-US"/>
+          </a:p>
+        </p:txBody>
+      </p:sp>
+    </p:spTree>
+    <p:extLst>
+      <p:ext uri="{BB962C8B-B14F-4D97-AF65-F5344CB8AC3E}">
+        <p14:creationId xmlns:p14="http://schemas.microsoft.com/office/powerpoint/2010/main" val="3202192032"/>
+      </p:ext>
+    </p:extLst>
+  </p:cSld>
+  <p:clrMapOvr>
+    <a:masterClrMapping/>
+  </p:clrMapOvr>
+</p:notes>
+</file>
+
+<file path=ppt/notesSlides/notesSlide8.xml><?xml version="1.0" encoding="utf-8"?>
+<p:notes xmlns:a="http://schemas.openxmlformats.org/drawingml/2006/main" xmlns:r="http://schemas.openxmlformats.org/officeDocument/2006/relationships" xmlns:p="http://schemas.openxmlformats.org/presentationml/2006/main">
+  <p:cSld>
+    <p:spTree>
+      <p:nvGrpSpPr>
+        <p:cNvPr id="1" name=""/>
+        <p:cNvGrpSpPr/>
+        <p:nvPr/>
+      </p:nvGrpSpPr>
+      <p:grpSpPr>
+        <a:xfrm>
+          <a:off x="0" y="0"/>
+          <a:ext cx="0" cy="0"/>
+          <a:chOff x="0" y="0"/>
+          <a:chExt cx="0" cy="0"/>
+        </a:xfrm>
+      </p:grpSpPr>
+      <p:sp>
+        <p:nvSpPr>
+          <p:cNvPr id="2" name="Slide Image Placeholder 1"/>
+          <p:cNvSpPr>
+            <a:spLocks noGrp="1" noRot="1" noChangeAspect="1"/>
+          </p:cNvSpPr>
+          <p:nvPr>
+            <p:ph type="sldImg"/>
+          </p:nvPr>
+        </p:nvSpPr>
+        <p:spPr/>
+      </p:sp>
+      <p:sp>
+        <p:nvSpPr>
+          <p:cNvPr id="3" name="Notes Placeholder 2"/>
+          <p:cNvSpPr>
+            <a:spLocks noGrp="1"/>
+          </p:cNvSpPr>
+          <p:nvPr>
+            <p:ph type="body" idx="1"/>
+          </p:nvPr>
+        </p:nvSpPr>
+        <p:spPr/>
+        <p:txBody>
+          <a:bodyPr/>
+          <a:lstStyle/>
+          <a:p>
+            <a:r>
+              <a:rPr lang="en-US" dirty="0" smtClean="0"/>
+              <a:t>More detail on how the Coupled</a:t>
+            </a:r>
+            <a:r>
+              <a:rPr lang="en-US" baseline="0" dirty="0" smtClean="0"/>
+              <a:t> Pattern Learner works.  This is a method for pattern-based learning on unstructured text, so what we’re looking for is literal, unstructured, string patterns.</a:t>
+            </a:r>
+            <a:br>
+              <a:rPr lang="en-US" baseline="0" dirty="0" smtClean="0"/>
+            </a:br>
+            <a:r>
+              <a:rPr lang="en-US" baseline="0" dirty="0" smtClean="0"/>
+              <a:t>Step 1 is to use all of the promoted category and relation instances and patterns (in the first run, this is the seed data) in order to find new candidate instances and patterns, by looking for string matches.  So, if we’re using the category “Baseball Player” and we have a promoted instance of “Babe Ruth”, any pattern found around “Babe Ruth”, as long as it obeys certain syntactic constraints, is considered a candidate pattern for Baseball Player.  Similarly, if the pattern “broke the home run record” is promoted, then the NP “Babe Ruth”, found in the arg1 position, is considered a candidate instance.</a:t>
+            </a:r>
+          </a:p>
+          <a:p>
+            <a:r>
+              <a:rPr lang="en-US" baseline="0" dirty="0" smtClean="0"/>
+              <a:t>Step 2 is to filter the candidates using the two coupling constraints that apply at this stage: namely, mutual-exclusion and type-checking.  Mutual-exclusion </a:t>
+            </a:r>
+            <a:r>
+              <a:rPr lang="en-US" baseline="0" dirty="0" smtClean="0"/>
+              <a:t>(and possibly type-checking) </a:t>
+            </a:r>
+            <a:r>
+              <a:rPr lang="en-US" baseline="0" dirty="0" smtClean="0"/>
+              <a:t>constraints are specified in the input ontology—there is no mechanism for extracting these from observed data.</a:t>
+            </a:r>
+          </a:p>
+          <a:p>
+            <a:r>
+              <a:rPr lang="en-US" baseline="0" dirty="0" smtClean="0"/>
+              <a:t>Step 3 is to rank candidates; instances are preferred based on the number of distinct promoted patterns they co-occur with, and patterns are preferred based on how commonly they appear with a promoted instance compared to how commonly they appear in the entire corpus.</a:t>
+            </a:r>
+          </a:p>
+          <a:p>
+            <a:r>
+              <a:rPr lang="en-US" baseline="0" dirty="0" smtClean="0"/>
+              <a:t>-&gt; I take some issue with both of these rankings; the first seems like it should suffer from not ranking instances that can only appear with very few patterns, and the second from not ranking patterns that are common English constructs.</a:t>
+            </a:r>
+          </a:p>
+          <a:p>
+            <a:r>
+              <a:rPr lang="en-US" baseline="0" dirty="0" smtClean="0"/>
+              <a:t>Step 4 is straightforward—take the highly-ranked candidates and promote them,</a:t>
+            </a:r>
+          </a:p>
+          <a:p>
+            <a:r>
+              <a:rPr lang="en-US" baseline="0" dirty="0" smtClean="0"/>
+              <a:t>And then continue apace.</a:t>
+            </a:r>
+          </a:p>
+          <a:p>
+            <a:r>
+              <a:rPr lang="en-US" baseline="0" dirty="0" smtClean="0"/>
+              <a:t>See illustration of candidate extraction below.</a:t>
+            </a:r>
+            <a:endParaRPr lang="en-US" dirty="0"/>
+          </a:p>
+        </p:txBody>
+      </p:sp>
+      <p:sp>
+        <p:nvSpPr>
+          <p:cNvPr id="4" name="Slide Number Placeholder 3"/>
+          <p:cNvSpPr>
+            <a:spLocks noGrp="1"/>
+          </p:cNvSpPr>
+          <p:nvPr>
+            <p:ph type="sldNum" sz="quarter" idx="10"/>
+          </p:nvPr>
+        </p:nvSpPr>
+        <p:spPr/>
+        <p:txBody>
+          <a:bodyPr/>
+          <a:lstStyle/>
+          <a:p>
+            <a:fld id="{38E89B2E-D76A-498B-B6C9-2A0A7E4514B4}" type="slidenum">
+              <a:rPr lang="en-US" smtClean="0"/>
+              <a:t>9</a:t>
+            </a:fld>
+            <a:endParaRPr lang="en-US"/>
+          </a:p>
+        </p:txBody>
+      </p:sp>
+    </p:spTree>
+    <p:extLst>
+      <p:ext uri="{BB962C8B-B14F-4D97-AF65-F5344CB8AC3E}">
+        <p14:creationId xmlns:p14="http://schemas.microsoft.com/office/powerpoint/2010/main" val="1837111262"/>
+      </p:ext>
+    </p:extLst>
+  </p:cSld>
+  <p:clrMapOvr>
+    <a:masterClrMapping/>
+  </p:clrMapOvr>
+</p:notes>
+</file>
+
+<file path=ppt/notesSlides/notesSlide9.xml><?xml version="1.0" encoding="utf-8"?>
+<p:notes xmlns:a="http://schemas.openxmlformats.org/drawingml/2006/main" xmlns:r="http://schemas.openxmlformats.org/officeDocument/2006/relationships" xmlns:p="http://schemas.openxmlformats.org/presentationml/2006/main">
+  <p:cSld>
+    <p:spTree>
+      <p:nvGrpSpPr>
+        <p:cNvPr id="1" name=""/>
+        <p:cNvGrpSpPr/>
+        <p:nvPr/>
+      </p:nvGrpSpPr>
+      <p:grpSpPr>
+        <a:xfrm>
+          <a:off x="0" y="0"/>
+          <a:ext cx="0" cy="0"/>
+          <a:chOff x="0" y="0"/>
+          <a:chExt cx="0" cy="0"/>
+        </a:xfrm>
+      </p:grpSpPr>
+      <p:sp>
+        <p:nvSpPr>
+          <p:cNvPr id="2" name="Slide Image Placeholder 1"/>
+          <p:cNvSpPr>
+            <a:spLocks noGrp="1" noRot="1" noChangeAspect="1"/>
+          </p:cNvSpPr>
+          <p:nvPr>
+            <p:ph type="sldImg"/>
+          </p:nvPr>
+        </p:nvSpPr>
+        <p:spPr/>
+      </p:sp>
+      <p:sp>
+        <p:nvSpPr>
+          <p:cNvPr id="3" name="Notes Placeholder 2"/>
+          <p:cNvSpPr>
+            <a:spLocks noGrp="1"/>
+          </p:cNvSpPr>
+          <p:nvPr>
+            <p:ph type="body" idx="1"/>
+          </p:nvPr>
+        </p:nvSpPr>
+        <p:spPr/>
+        <p:txBody>
+          <a:bodyPr/>
+          <a:lstStyle/>
+          <a:p>
+            <a:r>
+              <a:rPr lang="en-US" dirty="0" smtClean="0"/>
+              <a:t>More detail on how the Coupled</a:t>
+            </a:r>
+            <a:r>
+              <a:rPr lang="en-US" baseline="0" dirty="0" smtClean="0"/>
+              <a:t> Pattern Learner works.  This is a method for pattern-based learning on unstructured text, so what we’re looking for is literal, unstructured, string patterns.</a:t>
+            </a:r>
+            <a:br>
+              <a:rPr lang="en-US" baseline="0" dirty="0" smtClean="0"/>
+            </a:br>
+            <a:r>
+              <a:rPr lang="en-US" baseline="0" dirty="0" smtClean="0"/>
+              <a:t>Step 1 is to use all of the promoted category and relation instances and patterns (in the first run, this is the seed data) in order to find new candidate instances and patterns, by looking for string matches.  So, if we’re using the category “Baseball Player” and we have a promoted instance of “Babe Ruth”, any pattern found around “Babe Ruth”, as long as it obeys certain syntactic constraints, is considered a candidate pattern for Baseball Player.  Similarly, if the pattern “broke the home run record” is promoted, then the NP “Babe Ruth”, found in the arg1 position, is considered a candidate instance.</a:t>
+            </a:r>
+          </a:p>
+          <a:p>
+            <a:r>
+              <a:rPr lang="en-US" baseline="0" dirty="0" smtClean="0"/>
+              <a:t>Step 2 is to filter the candidates using the two coupling constraints that apply at this stage: namely, mutual-exclusion and type-checking.  Mutual-exclusion </a:t>
+            </a:r>
+            <a:r>
+              <a:rPr lang="en-US" baseline="0" dirty="0" smtClean="0"/>
+              <a:t>(and possibly type-checking) </a:t>
+            </a:r>
+            <a:r>
+              <a:rPr lang="en-US" baseline="0" dirty="0" smtClean="0"/>
+              <a:t>constraints are specified in the input ontology—there is no mechanism for extracting these from observed data.</a:t>
+            </a:r>
+          </a:p>
+          <a:p>
+            <a:r>
+              <a:rPr lang="en-US" baseline="0" dirty="0" smtClean="0"/>
+              <a:t>Step 3 is to rank candidates; instances are preferred based on the number of distinct promoted patterns they co-occur with, and patterns are preferred based on how commonly they appear with a promoted instance compared to how commonly they appear in the entire corpus.</a:t>
+            </a:r>
+          </a:p>
+          <a:p>
+            <a:r>
+              <a:rPr lang="en-US" baseline="0" dirty="0" smtClean="0"/>
+              <a:t>-&gt; I take some issue with both of these rankings; the first seems like it should suffer from not ranking instances that can only appear with very few patterns, and the second from not ranking patterns that are common English constructs.</a:t>
+            </a:r>
+          </a:p>
+          <a:p>
+            <a:r>
+              <a:rPr lang="en-US" baseline="0" dirty="0" smtClean="0"/>
+              <a:t>Step 4 is straightforward—take the highly-ranked candidates and promote them,</a:t>
+            </a:r>
+          </a:p>
+          <a:p>
+            <a:r>
+              <a:rPr lang="en-US" baseline="0" dirty="0" smtClean="0"/>
+              <a:t>And then continue apace.</a:t>
+            </a:r>
+          </a:p>
+          <a:p>
+            <a:r>
+              <a:rPr lang="en-US" baseline="0" dirty="0" smtClean="0"/>
+              <a:t>See illustration of candidate extraction below.</a:t>
+            </a:r>
+            <a:endParaRPr lang="en-US" dirty="0"/>
+          </a:p>
+        </p:txBody>
+      </p:sp>
+      <p:sp>
+        <p:nvSpPr>
+          <p:cNvPr id="4" name="Slide Number Placeholder 3"/>
+          <p:cNvSpPr>
+            <a:spLocks noGrp="1"/>
+          </p:cNvSpPr>
+          <p:nvPr>
+            <p:ph type="sldNum" sz="quarter" idx="10"/>
+          </p:nvPr>
+        </p:nvSpPr>
+        <p:spPr/>
+        <p:txBody>
+          <a:bodyPr/>
+          <a:lstStyle/>
+          <a:p>
+            <a:fld id="{38E89B2E-D76A-498B-B6C9-2A0A7E4514B4}" type="slidenum">
+              <a:rPr lang="en-US" smtClean="0"/>
+              <a:t>10</a:t>
+            </a:fld>
+            <a:endParaRPr lang="en-US"/>
+          </a:p>
+        </p:txBody>
+      </p:sp>
+    </p:spTree>
+    <p:extLst>
+      <p:ext uri="{BB962C8B-B14F-4D97-AF65-F5344CB8AC3E}">
+        <p14:creationId xmlns:p14="http://schemas.microsoft.com/office/powerpoint/2010/main" val="3274584916"/>
       </p:ext>
     </p:extLst>
   </p:cSld>
@@ -8580,6 +9399,13 @@
   <p:clrMapOvr>
     <a:masterClrMapping/>
   </p:clrMapOvr>
+  <p:timing>
+    <p:tnLst>
+      <p:par>
+        <p:cTn id="1" dur="indefinite" restart="never" nodeType="tmRoot"/>
+      </p:par>
+    </p:tnLst>
+  </p:timing>
 </p:sld>
 </file>
 
@@ -8610,6 +9436,1587 @@
             <p:ph type="title"/>
           </p:nvPr>
         </p:nvSpPr>
+        <p:spPr>
+          <a:xfrm>
+            <a:off x="838200" y="365126"/>
+            <a:ext cx="10515600" cy="1002356"/>
+          </a:xfrm>
+        </p:spPr>
+        <p:txBody>
+          <a:bodyPr/>
+          <a:lstStyle/>
+          <a:p>
+            <a:r>
+              <a:rPr lang="en-US" dirty="0" smtClean="0"/>
+              <a:t>Coupled Pattern Learner</a:t>
+            </a:r>
+            <a:endParaRPr lang="en-US" dirty="0"/>
+          </a:p>
+        </p:txBody>
+      </p:sp>
+      <p:sp>
+        <p:nvSpPr>
+          <p:cNvPr id="3" name="Content Placeholder 2"/>
+          <p:cNvSpPr>
+            <a:spLocks noGrp="1"/>
+          </p:cNvSpPr>
+          <p:nvPr>
+            <p:ph idx="1"/>
+          </p:nvPr>
+        </p:nvSpPr>
+        <p:spPr>
+          <a:xfrm>
+            <a:off x="838200" y="1331399"/>
+            <a:ext cx="10515600" cy="2705186"/>
+          </a:xfrm>
+        </p:spPr>
+        <p:txBody>
+          <a:bodyPr/>
+          <a:lstStyle/>
+          <a:p>
+            <a:pPr marL="514350" indent="-514350">
+              <a:buAutoNum type="arabicParenR"/>
+            </a:pPr>
+            <a:r>
+              <a:rPr lang="en-US" dirty="0" smtClean="0">
+                <a:solidFill>
+                  <a:schemeClr val="bg2">
+                    <a:lumMod val="75000"/>
+                  </a:schemeClr>
+                </a:solidFill>
+              </a:rPr>
+              <a:t>Extract new candidate instances/patterns using promoted info</a:t>
+            </a:r>
+          </a:p>
+          <a:p>
+            <a:pPr marL="514350" indent="-514350">
+              <a:buAutoNum type="arabicParenR"/>
+            </a:pPr>
+            <a:r>
+              <a:rPr lang="en-US" dirty="0" smtClean="0"/>
+              <a:t>Filter candidates using coupling constraints</a:t>
+            </a:r>
+          </a:p>
+          <a:p>
+            <a:pPr marL="514350" indent="-514350">
+              <a:buAutoNum type="arabicParenR"/>
+            </a:pPr>
+            <a:r>
+              <a:rPr lang="en-US" dirty="0" smtClean="0">
+                <a:solidFill>
+                  <a:schemeClr val="bg2">
+                    <a:lumMod val="75000"/>
+                  </a:schemeClr>
+                </a:solidFill>
+              </a:rPr>
+              <a:t>Rank filtered candidates</a:t>
+            </a:r>
+          </a:p>
+          <a:p>
+            <a:pPr marL="514350" indent="-514350">
+              <a:buAutoNum type="arabicParenR"/>
+            </a:pPr>
+            <a:r>
+              <a:rPr lang="en-US" dirty="0" smtClean="0">
+                <a:solidFill>
+                  <a:schemeClr val="bg2">
+                    <a:lumMod val="75000"/>
+                  </a:schemeClr>
+                </a:solidFill>
+              </a:rPr>
+              <a:t>Promote top-ranked candidates</a:t>
+            </a:r>
+          </a:p>
+          <a:p>
+            <a:pPr marL="514350" indent="-514350">
+              <a:buAutoNum type="arabicParenR"/>
+            </a:pPr>
+            <a:r>
+              <a:rPr lang="en-US" dirty="0" smtClean="0">
+                <a:solidFill>
+                  <a:schemeClr val="bg2">
+                    <a:lumMod val="75000"/>
+                  </a:schemeClr>
+                </a:solidFill>
+              </a:rPr>
+              <a:t>Rinse and repeat</a:t>
+            </a:r>
+            <a:endParaRPr lang="en-US" dirty="0">
+              <a:solidFill>
+                <a:schemeClr val="bg2">
+                  <a:lumMod val="75000"/>
+                </a:schemeClr>
+              </a:solidFill>
+            </a:endParaRPr>
+          </a:p>
+        </p:txBody>
+      </p:sp>
+      <p:sp>
+        <p:nvSpPr>
+          <p:cNvPr id="15" name="TextBox 14"/>
+          <p:cNvSpPr txBox="1"/>
+          <p:nvPr/>
+        </p:nvSpPr>
+        <p:spPr>
+          <a:xfrm>
+            <a:off x="6244046" y="4105575"/>
+            <a:ext cx="2372497" cy="646331"/>
+          </a:xfrm>
+          <a:prstGeom prst="rect">
+            <a:avLst/>
+          </a:prstGeom>
+          <a:noFill/>
+        </p:spPr>
+        <p:txBody>
+          <a:bodyPr wrap="square" rtlCol="0">
+            <a:spAutoFit/>
+          </a:bodyPr>
+          <a:lstStyle/>
+          <a:p>
+            <a:r>
+              <a:rPr lang="en-US" dirty="0" smtClean="0"/>
+              <a:t>Category</a:t>
+            </a:r>
+          </a:p>
+          <a:p>
+            <a:r>
+              <a:rPr lang="en-US" dirty="0" smtClean="0">
+                <a:solidFill>
+                  <a:srgbClr val="00B050"/>
+                </a:solidFill>
+              </a:rPr>
+              <a:t>Baseball Player</a:t>
+            </a:r>
+            <a:endParaRPr lang="en-US" dirty="0">
+              <a:solidFill>
+                <a:srgbClr val="00B050"/>
+              </a:solidFill>
+            </a:endParaRPr>
+          </a:p>
+        </p:txBody>
+      </p:sp>
+      <p:sp>
+        <p:nvSpPr>
+          <p:cNvPr id="11" name="TextBox 10"/>
+          <p:cNvSpPr txBox="1"/>
+          <p:nvPr/>
+        </p:nvSpPr>
+        <p:spPr>
+          <a:xfrm>
+            <a:off x="2823755" y="4105575"/>
+            <a:ext cx="3420291" cy="2585323"/>
+          </a:xfrm>
+          <a:prstGeom prst="rect">
+            <a:avLst/>
+          </a:prstGeom>
+          <a:noFill/>
+        </p:spPr>
+        <p:txBody>
+          <a:bodyPr wrap="square" rtlCol="0">
+            <a:spAutoFit/>
+          </a:bodyPr>
+          <a:lstStyle/>
+          <a:p>
+            <a:r>
+              <a:rPr lang="en-US" dirty="0" smtClean="0"/>
+              <a:t>Candidate Instance</a:t>
+            </a:r>
+          </a:p>
+          <a:p>
+            <a:r>
+              <a:rPr lang="en-US" dirty="0" smtClean="0">
+                <a:solidFill>
+                  <a:srgbClr val="0070C0"/>
+                </a:solidFill>
+              </a:rPr>
+              <a:t>Sears Tower</a:t>
+            </a:r>
+          </a:p>
+          <a:p>
+            <a:endParaRPr lang="en-US" dirty="0"/>
+          </a:p>
+          <a:p>
+            <a:r>
+              <a:rPr lang="en-US" dirty="0" smtClean="0">
+                <a:solidFill>
+                  <a:srgbClr val="0070C0"/>
+                </a:solidFill>
+              </a:rPr>
+              <a:t>Sears Tower </a:t>
+            </a:r>
+            <a:r>
+              <a:rPr lang="en-US" dirty="0" smtClean="0"/>
+              <a:t>is promoted instance of </a:t>
+            </a:r>
+            <a:r>
+              <a:rPr lang="en-US" dirty="0" smtClean="0">
+                <a:solidFill>
+                  <a:srgbClr val="00B050"/>
+                </a:solidFill>
+              </a:rPr>
+              <a:t>Building</a:t>
+            </a:r>
+          </a:p>
+          <a:p>
+            <a:endParaRPr lang="en-US" dirty="0" smtClean="0"/>
+          </a:p>
+          <a:p>
+            <a:r>
+              <a:rPr lang="en-US" dirty="0" smtClean="0">
+                <a:solidFill>
+                  <a:srgbClr val="00B050"/>
+                </a:solidFill>
+              </a:rPr>
+              <a:t>Building</a:t>
+            </a:r>
+            <a:r>
+              <a:rPr lang="en-US" dirty="0" smtClean="0"/>
+              <a:t> != </a:t>
+            </a:r>
+            <a:r>
+              <a:rPr lang="en-US" dirty="0" smtClean="0">
+                <a:solidFill>
+                  <a:srgbClr val="00B050"/>
+                </a:solidFill>
+              </a:rPr>
+              <a:t>Baseball Player</a:t>
+            </a:r>
+          </a:p>
+          <a:p>
+            <a:endParaRPr lang="en-US" dirty="0"/>
+          </a:p>
+          <a:p>
+            <a:r>
+              <a:rPr lang="en-US" dirty="0" smtClean="0"/>
+              <a:t>=&gt; </a:t>
+            </a:r>
+            <a:r>
+              <a:rPr lang="en-US" dirty="0" smtClean="0">
+                <a:solidFill>
+                  <a:srgbClr val="0070C0"/>
+                </a:solidFill>
+              </a:rPr>
+              <a:t>Sears Tower </a:t>
+            </a:r>
+            <a:r>
+              <a:rPr lang="en-US" dirty="0" smtClean="0"/>
+              <a:t>!= </a:t>
+            </a:r>
+            <a:r>
+              <a:rPr lang="en-US" dirty="0" smtClean="0">
+                <a:solidFill>
+                  <a:srgbClr val="00B050"/>
+                </a:solidFill>
+              </a:rPr>
+              <a:t>Baseball Player</a:t>
+            </a:r>
+            <a:endParaRPr lang="en-US" dirty="0">
+              <a:solidFill>
+                <a:srgbClr val="00B050"/>
+              </a:solidFill>
+            </a:endParaRPr>
+          </a:p>
+        </p:txBody>
+      </p:sp>
+    </p:spTree>
+    <p:extLst>
+      <p:ext uri="{BB962C8B-B14F-4D97-AF65-F5344CB8AC3E}">
+        <p14:creationId xmlns:p14="http://schemas.microsoft.com/office/powerpoint/2010/main" val="2479154066"/>
+      </p:ext>
+    </p:extLst>
+  </p:cSld>
+  <p:clrMapOvr>
+    <a:masterClrMapping/>
+  </p:clrMapOvr>
+  <p:timing>
+    <p:tnLst>
+      <p:par>
+        <p:cTn id="1" dur="indefinite" restart="never" nodeType="tmRoot"/>
+      </p:par>
+    </p:tnLst>
+  </p:timing>
+</p:sld>
+</file>
+
+<file path=ppt/slides/slide11.xml><?xml version="1.0" encoding="utf-8"?>
+<p:sld xmlns:a="http://schemas.openxmlformats.org/drawingml/2006/main" xmlns:r="http://schemas.openxmlformats.org/officeDocument/2006/relationships" xmlns:p="http://schemas.openxmlformats.org/presentationml/2006/main">
+  <p:cSld>
+    <p:spTree>
+      <p:nvGrpSpPr>
+        <p:cNvPr id="1" name=""/>
+        <p:cNvGrpSpPr/>
+        <p:nvPr/>
+      </p:nvGrpSpPr>
+      <p:grpSpPr>
+        <a:xfrm>
+          <a:off x="0" y="0"/>
+          <a:ext cx="0" cy="0"/>
+          <a:chOff x="0" y="0"/>
+          <a:chExt cx="0" cy="0"/>
+        </a:xfrm>
+      </p:grpSpPr>
+      <p:sp>
+        <p:nvSpPr>
+          <p:cNvPr id="2" name="Title 1"/>
+          <p:cNvSpPr>
+            <a:spLocks noGrp="1"/>
+          </p:cNvSpPr>
+          <p:nvPr>
+            <p:ph type="title"/>
+          </p:nvPr>
+        </p:nvSpPr>
+        <p:spPr>
+          <a:xfrm>
+            <a:off x="838200" y="365126"/>
+            <a:ext cx="10515600" cy="1002356"/>
+          </a:xfrm>
+        </p:spPr>
+        <p:txBody>
+          <a:bodyPr/>
+          <a:lstStyle/>
+          <a:p>
+            <a:r>
+              <a:rPr lang="en-US" dirty="0" smtClean="0"/>
+              <a:t>Coupled Pattern Learner</a:t>
+            </a:r>
+            <a:endParaRPr lang="en-US" dirty="0"/>
+          </a:p>
+        </p:txBody>
+      </p:sp>
+      <p:sp>
+        <p:nvSpPr>
+          <p:cNvPr id="3" name="Content Placeholder 2"/>
+          <p:cNvSpPr>
+            <a:spLocks noGrp="1"/>
+          </p:cNvSpPr>
+          <p:nvPr>
+            <p:ph idx="1"/>
+          </p:nvPr>
+        </p:nvSpPr>
+        <p:spPr>
+          <a:xfrm>
+            <a:off x="838200" y="1331399"/>
+            <a:ext cx="10515600" cy="2705186"/>
+          </a:xfrm>
+        </p:spPr>
+        <p:txBody>
+          <a:bodyPr/>
+          <a:lstStyle/>
+          <a:p>
+            <a:pPr marL="514350" indent="-514350">
+              <a:buAutoNum type="arabicParenR"/>
+            </a:pPr>
+            <a:r>
+              <a:rPr lang="en-US" dirty="0" smtClean="0">
+                <a:solidFill>
+                  <a:schemeClr val="bg2">
+                    <a:lumMod val="75000"/>
+                  </a:schemeClr>
+                </a:solidFill>
+              </a:rPr>
+              <a:t>Extract new candidate instances/patterns using promoted info</a:t>
+            </a:r>
+          </a:p>
+          <a:p>
+            <a:pPr marL="514350" indent="-514350">
+              <a:buAutoNum type="arabicParenR"/>
+            </a:pPr>
+            <a:r>
+              <a:rPr lang="en-US" dirty="0" smtClean="0">
+                <a:solidFill>
+                  <a:schemeClr val="bg2">
+                    <a:lumMod val="75000"/>
+                  </a:schemeClr>
+                </a:solidFill>
+              </a:rPr>
+              <a:t>Filter candidates using coupling constraints</a:t>
+            </a:r>
+          </a:p>
+          <a:p>
+            <a:pPr marL="514350" indent="-514350">
+              <a:buAutoNum type="arabicParenR"/>
+            </a:pPr>
+            <a:r>
+              <a:rPr lang="en-US" dirty="0" smtClean="0"/>
+              <a:t>Rank filtered candidates</a:t>
+            </a:r>
+          </a:p>
+          <a:p>
+            <a:pPr marL="514350" indent="-514350">
+              <a:buAutoNum type="arabicParenR"/>
+            </a:pPr>
+            <a:r>
+              <a:rPr lang="en-US" dirty="0" smtClean="0"/>
+              <a:t>Promote top-ranked candidates</a:t>
+            </a:r>
+          </a:p>
+          <a:p>
+            <a:pPr marL="514350" indent="-514350">
+              <a:buAutoNum type="arabicParenR"/>
+            </a:pPr>
+            <a:r>
+              <a:rPr lang="en-US" dirty="0" smtClean="0"/>
+              <a:t>Rinse and repeat</a:t>
+            </a:r>
+            <a:endParaRPr lang="en-US" dirty="0"/>
+          </a:p>
+        </p:txBody>
+      </p:sp>
+      <p:sp>
+        <p:nvSpPr>
+          <p:cNvPr id="11" name="TextBox 10"/>
+          <p:cNvSpPr txBox="1"/>
+          <p:nvPr/>
+        </p:nvSpPr>
+        <p:spPr>
+          <a:xfrm>
+            <a:off x="5617028" y="4367506"/>
+            <a:ext cx="5381897" cy="1200329"/>
+          </a:xfrm>
+          <a:prstGeom prst="rect">
+            <a:avLst/>
+          </a:prstGeom>
+          <a:noFill/>
+        </p:spPr>
+        <p:txBody>
+          <a:bodyPr wrap="square" rtlCol="0">
+            <a:spAutoFit/>
+          </a:bodyPr>
+          <a:lstStyle/>
+          <a:p>
+            <a:r>
+              <a:rPr lang="en-US" dirty="0" smtClean="0"/>
+              <a:t>Candidate Patterns</a:t>
+            </a:r>
+          </a:p>
+          <a:p>
+            <a:r>
+              <a:rPr lang="en-US" i="1" dirty="0" smtClean="0">
+                <a:solidFill>
+                  <a:srgbClr val="FF0000"/>
+                </a:solidFill>
+              </a:rPr>
+              <a:t>arg1 </a:t>
+            </a:r>
+            <a:r>
+              <a:rPr lang="en-US" dirty="0" smtClean="0">
+                <a:solidFill>
+                  <a:srgbClr val="FF0000"/>
+                </a:solidFill>
+              </a:rPr>
+              <a:t>broke the home run record     </a:t>
+            </a:r>
+            <a:r>
+              <a:rPr lang="en-US" dirty="0" smtClean="0"/>
+              <a:t>-&gt;   .98</a:t>
+            </a:r>
+          </a:p>
+          <a:p>
+            <a:r>
+              <a:rPr lang="en-US" i="1" dirty="0">
+                <a:solidFill>
+                  <a:srgbClr val="FF0000"/>
+                </a:solidFill>
+              </a:rPr>
+              <a:t>a</a:t>
+            </a:r>
+            <a:r>
+              <a:rPr lang="en-US" i="1" dirty="0" smtClean="0">
+                <a:solidFill>
+                  <a:srgbClr val="FF0000"/>
+                </a:solidFill>
+              </a:rPr>
+              <a:t>rg1</a:t>
+            </a:r>
+            <a:r>
+              <a:rPr lang="en-US" dirty="0" smtClean="0">
+                <a:solidFill>
+                  <a:srgbClr val="FF0000"/>
+                </a:solidFill>
+              </a:rPr>
+              <a:t> hit a fly ball</a:t>
+            </a:r>
+            <a:r>
+              <a:rPr lang="en-US" dirty="0" smtClean="0"/>
+              <a:t>                                -&gt;    .7</a:t>
+            </a:r>
+          </a:p>
+          <a:p>
+            <a:r>
+              <a:rPr lang="en-US" dirty="0">
+                <a:solidFill>
+                  <a:srgbClr val="FF0000"/>
+                </a:solidFill>
+              </a:rPr>
+              <a:t>t</a:t>
+            </a:r>
+            <a:r>
+              <a:rPr lang="en-US" dirty="0" smtClean="0">
+                <a:solidFill>
+                  <a:srgbClr val="FF0000"/>
+                </a:solidFill>
+              </a:rPr>
+              <a:t>agged </a:t>
+            </a:r>
+            <a:r>
+              <a:rPr lang="en-US" i="1" dirty="0" smtClean="0">
+                <a:solidFill>
+                  <a:srgbClr val="FF0000"/>
+                </a:solidFill>
+              </a:rPr>
+              <a:t>arg1</a:t>
+            </a:r>
+            <a:r>
+              <a:rPr lang="en-US" dirty="0" smtClean="0">
+                <a:solidFill>
+                  <a:srgbClr val="FF0000"/>
+                </a:solidFill>
+              </a:rPr>
+              <a:t> out </a:t>
+            </a:r>
+            <a:r>
+              <a:rPr lang="en-US" dirty="0" smtClean="0"/>
+              <a:t>                                -&gt;    .3</a:t>
+            </a:r>
+            <a:endParaRPr lang="en-US" dirty="0"/>
+          </a:p>
+        </p:txBody>
+      </p:sp>
+      <p:sp>
+        <p:nvSpPr>
+          <p:cNvPr id="5" name="TextBox 4"/>
+          <p:cNvSpPr txBox="1"/>
+          <p:nvPr/>
+        </p:nvSpPr>
+        <p:spPr>
+          <a:xfrm>
+            <a:off x="1210491" y="4367506"/>
+            <a:ext cx="3614058" cy="1200329"/>
+          </a:xfrm>
+          <a:prstGeom prst="rect">
+            <a:avLst/>
+          </a:prstGeom>
+          <a:noFill/>
+        </p:spPr>
+        <p:txBody>
+          <a:bodyPr wrap="square" rtlCol="0">
+            <a:spAutoFit/>
+          </a:bodyPr>
+          <a:lstStyle/>
+          <a:p>
+            <a:r>
+              <a:rPr lang="en-US" dirty="0" smtClean="0"/>
+              <a:t>Candidate Instances</a:t>
+            </a:r>
+          </a:p>
+          <a:p>
+            <a:r>
+              <a:rPr lang="en-US" dirty="0" smtClean="0">
+                <a:solidFill>
+                  <a:srgbClr val="0070C0"/>
+                </a:solidFill>
+              </a:rPr>
+              <a:t>Babe Ruth    </a:t>
+            </a:r>
+            <a:r>
+              <a:rPr lang="en-US" dirty="0" smtClean="0"/>
+              <a:t>-&gt;   3</a:t>
+            </a:r>
+          </a:p>
+          <a:p>
+            <a:r>
+              <a:rPr lang="en-US" dirty="0" smtClean="0">
+                <a:solidFill>
+                  <a:srgbClr val="0070C0"/>
+                </a:solidFill>
+              </a:rPr>
+              <a:t>Lou Gehrig </a:t>
+            </a:r>
+            <a:r>
+              <a:rPr lang="en-US" dirty="0" smtClean="0"/>
+              <a:t>  -&gt;   2</a:t>
+            </a:r>
+          </a:p>
+          <a:p>
+            <a:r>
+              <a:rPr lang="en-US" dirty="0" smtClean="0">
+                <a:solidFill>
+                  <a:srgbClr val="0070C0"/>
+                </a:solidFill>
+              </a:rPr>
+              <a:t>Hank Aaron</a:t>
+            </a:r>
+            <a:r>
+              <a:rPr lang="en-US" dirty="0" smtClean="0"/>
+              <a:t>  -&gt;  22</a:t>
+            </a:r>
+            <a:endParaRPr lang="en-US" dirty="0"/>
+          </a:p>
+        </p:txBody>
+      </p:sp>
+      <p:grpSp>
+        <p:nvGrpSpPr>
+          <p:cNvPr id="20" name="Group 19"/>
+          <p:cNvGrpSpPr/>
+          <p:nvPr/>
+        </p:nvGrpSpPr>
+        <p:grpSpPr>
+          <a:xfrm>
+            <a:off x="1210491" y="4367507"/>
+            <a:ext cx="9788435" cy="1200330"/>
+            <a:chOff x="1210491" y="4367507"/>
+            <a:chExt cx="9788435" cy="1200330"/>
+          </a:xfrm>
+        </p:grpSpPr>
+        <p:sp>
+          <p:nvSpPr>
+            <p:cNvPr id="18" name="TextBox 17"/>
+            <p:cNvSpPr txBox="1"/>
+            <p:nvPr/>
+          </p:nvSpPr>
+          <p:spPr>
+            <a:xfrm>
+              <a:off x="1210491" y="4367508"/>
+              <a:ext cx="3614058" cy="1200329"/>
+            </a:xfrm>
+            <a:prstGeom prst="rect">
+              <a:avLst/>
+            </a:prstGeom>
+            <a:noFill/>
+          </p:spPr>
+          <p:txBody>
+            <a:bodyPr wrap="square" rtlCol="0">
+              <a:spAutoFit/>
+            </a:bodyPr>
+            <a:lstStyle/>
+            <a:p>
+              <a:r>
+                <a:rPr lang="en-US" dirty="0" smtClean="0"/>
+                <a:t>Candidate Instances</a:t>
+              </a:r>
+            </a:p>
+            <a:p>
+              <a:r>
+                <a:rPr lang="en-US" strike="sngStrike" dirty="0" smtClean="0">
+                  <a:solidFill>
+                    <a:srgbClr val="0070C0"/>
+                  </a:solidFill>
+                </a:rPr>
+                <a:t>Babe Ruth    </a:t>
+              </a:r>
+              <a:r>
+                <a:rPr lang="en-US" strike="sngStrike" dirty="0" smtClean="0"/>
+                <a:t>-&gt;   3</a:t>
+              </a:r>
+            </a:p>
+            <a:p>
+              <a:r>
+                <a:rPr lang="en-US" strike="sngStrike" dirty="0" smtClean="0">
+                  <a:solidFill>
+                    <a:srgbClr val="0070C0"/>
+                  </a:solidFill>
+                </a:rPr>
+                <a:t>Lou Gehrig </a:t>
+              </a:r>
+              <a:r>
+                <a:rPr lang="en-US" strike="sngStrike" dirty="0" smtClean="0"/>
+                <a:t>  -&gt;   2</a:t>
+              </a:r>
+            </a:p>
+            <a:p>
+              <a:r>
+                <a:rPr lang="en-US" dirty="0" smtClean="0">
+                  <a:solidFill>
+                    <a:srgbClr val="0070C0"/>
+                  </a:solidFill>
+                </a:rPr>
+                <a:t>Hank Aaron</a:t>
+              </a:r>
+              <a:r>
+                <a:rPr lang="en-US" dirty="0" smtClean="0"/>
+                <a:t>  -&gt;  22   </a:t>
+              </a:r>
+              <a:r>
+                <a:rPr lang="en-US" dirty="0" smtClean="0">
+                  <a:solidFill>
+                    <a:srgbClr val="92D050"/>
+                  </a:solidFill>
+                </a:rPr>
+                <a:t>Promoted!</a:t>
+              </a:r>
+              <a:endParaRPr lang="en-US" dirty="0">
+                <a:solidFill>
+                  <a:srgbClr val="92D050"/>
+                </a:solidFill>
+              </a:endParaRPr>
+            </a:p>
+          </p:txBody>
+        </p:sp>
+        <p:sp>
+          <p:nvSpPr>
+            <p:cNvPr id="19" name="TextBox 18"/>
+            <p:cNvSpPr txBox="1"/>
+            <p:nvPr/>
+          </p:nvSpPr>
+          <p:spPr>
+            <a:xfrm>
+              <a:off x="5617029" y="4367507"/>
+              <a:ext cx="5381897" cy="1200329"/>
+            </a:xfrm>
+            <a:prstGeom prst="rect">
+              <a:avLst/>
+            </a:prstGeom>
+            <a:noFill/>
+          </p:spPr>
+          <p:txBody>
+            <a:bodyPr wrap="square" rtlCol="0">
+              <a:spAutoFit/>
+            </a:bodyPr>
+            <a:lstStyle/>
+            <a:p>
+              <a:r>
+                <a:rPr lang="en-US" dirty="0" smtClean="0"/>
+                <a:t>Candidate Patterns</a:t>
+              </a:r>
+            </a:p>
+            <a:p>
+              <a:r>
+                <a:rPr lang="en-US" i="1" dirty="0" smtClean="0">
+                  <a:solidFill>
+                    <a:srgbClr val="FF0000"/>
+                  </a:solidFill>
+                </a:rPr>
+                <a:t>arg1 </a:t>
+              </a:r>
+              <a:r>
+                <a:rPr lang="en-US" dirty="0" smtClean="0">
+                  <a:solidFill>
+                    <a:srgbClr val="FF0000"/>
+                  </a:solidFill>
+                </a:rPr>
+                <a:t>broke the home run record     </a:t>
+              </a:r>
+              <a:r>
+                <a:rPr lang="en-US" dirty="0" smtClean="0"/>
+                <a:t>-&gt;   .98  </a:t>
+              </a:r>
+              <a:r>
+                <a:rPr lang="en-US" dirty="0" smtClean="0">
+                  <a:solidFill>
+                    <a:srgbClr val="92D050"/>
+                  </a:solidFill>
+                </a:rPr>
+                <a:t>Promoted!</a:t>
+              </a:r>
+            </a:p>
+            <a:p>
+              <a:r>
+                <a:rPr lang="en-US" i="1" strike="sngStrike" dirty="0">
+                  <a:solidFill>
+                    <a:srgbClr val="FF0000"/>
+                  </a:solidFill>
+                </a:rPr>
+                <a:t>a</a:t>
+              </a:r>
+              <a:r>
+                <a:rPr lang="en-US" i="1" strike="sngStrike" dirty="0" smtClean="0">
+                  <a:solidFill>
+                    <a:srgbClr val="FF0000"/>
+                  </a:solidFill>
+                </a:rPr>
+                <a:t>rg1</a:t>
+              </a:r>
+              <a:r>
+                <a:rPr lang="en-US" strike="sngStrike" dirty="0" smtClean="0">
+                  <a:solidFill>
+                    <a:srgbClr val="FF0000"/>
+                  </a:solidFill>
+                </a:rPr>
+                <a:t> hit a fly ball</a:t>
+              </a:r>
+              <a:r>
+                <a:rPr lang="en-US" strike="sngStrike" dirty="0" smtClean="0"/>
+                <a:t>                                -&gt;    .7</a:t>
+              </a:r>
+            </a:p>
+            <a:p>
+              <a:r>
+                <a:rPr lang="en-US" strike="sngStrike" dirty="0">
+                  <a:solidFill>
+                    <a:srgbClr val="FF0000"/>
+                  </a:solidFill>
+                </a:rPr>
+                <a:t>t</a:t>
+              </a:r>
+              <a:r>
+                <a:rPr lang="en-US" strike="sngStrike" dirty="0" smtClean="0">
+                  <a:solidFill>
+                    <a:srgbClr val="FF0000"/>
+                  </a:solidFill>
+                </a:rPr>
+                <a:t>agged </a:t>
+              </a:r>
+              <a:r>
+                <a:rPr lang="en-US" i="1" strike="sngStrike" dirty="0" smtClean="0">
+                  <a:solidFill>
+                    <a:srgbClr val="FF0000"/>
+                  </a:solidFill>
+                </a:rPr>
+                <a:t>arg1</a:t>
+              </a:r>
+              <a:r>
+                <a:rPr lang="en-US" strike="sngStrike" dirty="0" smtClean="0">
+                  <a:solidFill>
+                    <a:srgbClr val="FF0000"/>
+                  </a:solidFill>
+                </a:rPr>
+                <a:t> out </a:t>
+              </a:r>
+              <a:r>
+                <a:rPr lang="en-US" strike="sngStrike" dirty="0" smtClean="0"/>
+                <a:t>                                -&gt;    .3</a:t>
+              </a:r>
+              <a:endParaRPr lang="en-US" strike="sngStrike" dirty="0"/>
+            </a:p>
+          </p:txBody>
+        </p:sp>
+      </p:grpSp>
+    </p:spTree>
+    <p:extLst>
+      <p:ext uri="{BB962C8B-B14F-4D97-AF65-F5344CB8AC3E}">
+        <p14:creationId xmlns:p14="http://schemas.microsoft.com/office/powerpoint/2010/main" val="3685447814"/>
+      </p:ext>
+    </p:extLst>
+  </p:cSld>
+  <p:clrMapOvr>
+    <a:masterClrMapping/>
+  </p:clrMapOvr>
+  <p:timing>
+    <p:tnLst>
+      <p:par>
+        <p:cTn id="1" dur="indefinite" restart="never" nodeType="tmRoot">
+          <p:childTnLst>
+            <p:seq concurrent="1" nextAc="seek">
+              <p:cTn id="2" dur="indefinite" nodeType="mainSeq">
+                <p:childTnLst>
+                  <p:par>
+                    <p:cTn id="3" fill="hold">
+                      <p:stCondLst>
+                        <p:cond delay="indefinite"/>
+                      </p:stCondLst>
+                      <p:childTnLst>
+                        <p:par>
+                          <p:cTn id="4" fill="hold">
+                            <p:stCondLst>
+                              <p:cond delay="0"/>
+                            </p:stCondLst>
+                            <p:childTnLst>
+                              <p:par>
+                                <p:cTn id="5" presetID="1" presetClass="entr" presetSubtype="0" fill="hold" nodeType="clickEffect">
+                                  <p:stCondLst>
+                                    <p:cond delay="0"/>
+                                  </p:stCondLst>
+                                  <p:childTnLst>
+                                    <p:set>
+                                      <p:cBhvr>
+                                        <p:cTn id="6" dur="1" fill="hold">
+                                          <p:stCondLst>
+                                            <p:cond delay="0"/>
+                                          </p:stCondLst>
+                                        </p:cTn>
+                                        <p:tgtEl>
+                                          <p:spTgt spid="20"/>
+                                        </p:tgtEl>
+                                        <p:attrNameLst>
+                                          <p:attrName>style.visibility</p:attrName>
+                                        </p:attrNameLst>
+                                      </p:cBhvr>
+                                      <p:to>
+                                        <p:strVal val="visible"/>
+                                      </p:to>
+                                    </p:set>
+                                  </p:childTnLst>
+                                </p:cTn>
+                              </p:par>
+                            </p:childTnLst>
+                          </p:cTn>
+                        </p:par>
+                      </p:childTnLst>
+                    </p:cTn>
+                  </p:par>
+                </p:childTnLst>
+              </p:cTn>
+              <p:prevCondLst>
+                <p:cond evt="onPrev" delay="0">
+                  <p:tgtEl>
+                    <p:sldTgt/>
+                  </p:tgtEl>
+                </p:cond>
+              </p:prevCondLst>
+              <p:nextCondLst>
+                <p:cond evt="onNext" delay="0">
+                  <p:tgtEl>
+                    <p:sldTgt/>
+                  </p:tgtEl>
+                </p:cond>
+              </p:nextCondLst>
+            </p:seq>
+          </p:childTnLst>
+        </p:cTn>
+      </p:par>
+    </p:tnLst>
+  </p:timing>
+</p:sld>
+</file>
+
+<file path=ppt/slides/slide12.xml><?xml version="1.0" encoding="utf-8"?>
+<p:sld xmlns:a="http://schemas.openxmlformats.org/drawingml/2006/main" xmlns:r="http://schemas.openxmlformats.org/officeDocument/2006/relationships" xmlns:p="http://schemas.openxmlformats.org/presentationml/2006/main">
+  <p:cSld>
+    <p:spTree>
+      <p:nvGrpSpPr>
+        <p:cNvPr id="1" name=""/>
+        <p:cNvGrpSpPr/>
+        <p:nvPr/>
+      </p:nvGrpSpPr>
+      <p:grpSpPr>
+        <a:xfrm>
+          <a:off x="0" y="0"/>
+          <a:ext cx="0" cy="0"/>
+          <a:chOff x="0" y="0"/>
+          <a:chExt cx="0" cy="0"/>
+        </a:xfrm>
+      </p:grpSpPr>
+      <p:sp>
+        <p:nvSpPr>
+          <p:cNvPr id="2" name="Title 1"/>
+          <p:cNvSpPr>
+            <a:spLocks noGrp="1"/>
+          </p:cNvSpPr>
+          <p:nvPr>
+            <p:ph type="title"/>
+          </p:nvPr>
+        </p:nvSpPr>
+        <p:spPr>
+          <a:xfrm>
+            <a:off x="838200" y="365126"/>
+            <a:ext cx="10515600" cy="788172"/>
+          </a:xfrm>
+        </p:spPr>
+        <p:txBody>
+          <a:bodyPr/>
+          <a:lstStyle/>
+          <a:p>
+            <a:r>
+              <a:rPr lang="en-US" dirty="0" smtClean="0"/>
+              <a:t>Coupled SEAL</a:t>
+            </a:r>
+            <a:endParaRPr lang="en-US" dirty="0"/>
+          </a:p>
+        </p:txBody>
+      </p:sp>
+      <p:sp>
+        <p:nvSpPr>
+          <p:cNvPr id="3" name="Content Placeholder 2"/>
+          <p:cNvSpPr>
+            <a:spLocks noGrp="1"/>
+          </p:cNvSpPr>
+          <p:nvPr>
+            <p:ph idx="1"/>
+          </p:nvPr>
+        </p:nvSpPr>
+        <p:spPr>
+          <a:xfrm>
+            <a:off x="838200" y="1214376"/>
+            <a:ext cx="10515600" cy="2686188"/>
+          </a:xfrm>
+        </p:spPr>
+        <p:txBody>
+          <a:bodyPr/>
+          <a:lstStyle/>
+          <a:p>
+            <a:pPr marL="514350" indent="-514350">
+              <a:buAutoNum type="arabicParenR"/>
+            </a:pPr>
+            <a:r>
+              <a:rPr lang="en-US" dirty="0" smtClean="0"/>
+              <a:t>Run SEAL to extract new candidates and their wrappers</a:t>
+            </a:r>
+          </a:p>
+          <a:p>
+            <a:pPr marL="514350" indent="-514350">
+              <a:buAutoNum type="arabicParenR"/>
+            </a:pPr>
+            <a:r>
+              <a:rPr lang="en-US" dirty="0" smtClean="0"/>
+              <a:t>Filter wrappers/candidates using coupling constraints</a:t>
+            </a:r>
+          </a:p>
+          <a:p>
+            <a:pPr marL="514350" indent="-514350">
+              <a:buAutoNum type="arabicParenR"/>
+            </a:pPr>
+            <a:r>
+              <a:rPr lang="en-US" dirty="0" smtClean="0"/>
+              <a:t>Rank filtered candidates</a:t>
+            </a:r>
+          </a:p>
+          <a:p>
+            <a:pPr marL="514350" indent="-514350">
+              <a:buAutoNum type="arabicParenR"/>
+            </a:pPr>
+            <a:r>
+              <a:rPr lang="en-US" dirty="0" smtClean="0"/>
+              <a:t>Promote top-ranked candidates</a:t>
+            </a:r>
+          </a:p>
+          <a:p>
+            <a:pPr marL="514350" indent="-514350">
+              <a:buAutoNum type="arabicParenR"/>
+            </a:pPr>
+            <a:r>
+              <a:rPr lang="en-US" dirty="0" smtClean="0"/>
+              <a:t>Rinse and repeat</a:t>
+            </a:r>
+            <a:endParaRPr lang="en-US" dirty="0"/>
+          </a:p>
+        </p:txBody>
+      </p:sp>
+      <p:sp>
+        <p:nvSpPr>
+          <p:cNvPr id="4" name="TextBox 3"/>
+          <p:cNvSpPr txBox="1"/>
+          <p:nvPr/>
+        </p:nvSpPr>
+        <p:spPr>
+          <a:xfrm>
+            <a:off x="3877963" y="4105575"/>
+            <a:ext cx="3898556" cy="369332"/>
+          </a:xfrm>
+          <a:prstGeom prst="rect">
+            <a:avLst/>
+          </a:prstGeom>
+          <a:noFill/>
+        </p:spPr>
+        <p:txBody>
+          <a:bodyPr wrap="square" rtlCol="0">
+            <a:spAutoFit/>
+          </a:bodyPr>
+          <a:lstStyle/>
+          <a:p>
+            <a:r>
+              <a:rPr lang="en-US" dirty="0" smtClean="0">
+                <a:solidFill>
+                  <a:srgbClr val="FF0000"/>
+                </a:solidFill>
+              </a:rPr>
+              <a:t>&lt;a class=“car”&gt;</a:t>
+            </a:r>
+            <a:r>
+              <a:rPr lang="en-US" dirty="0" smtClean="0">
+                <a:solidFill>
+                  <a:srgbClr val="0070C0"/>
+                </a:solidFill>
+              </a:rPr>
+              <a:t>Audi</a:t>
+            </a:r>
+            <a:r>
+              <a:rPr lang="en-US" dirty="0" smtClean="0">
+                <a:solidFill>
+                  <a:srgbClr val="FF0000"/>
+                </a:solidFill>
+              </a:rPr>
+              <a:t>&lt;/a&gt;</a:t>
+            </a:r>
+          </a:p>
+        </p:txBody>
+      </p:sp>
+      <p:sp>
+        <p:nvSpPr>
+          <p:cNvPr id="5" name="TextBox 4"/>
+          <p:cNvSpPr txBox="1"/>
+          <p:nvPr/>
+        </p:nvSpPr>
+        <p:spPr>
+          <a:xfrm>
+            <a:off x="5346355" y="4474906"/>
+            <a:ext cx="518984" cy="338554"/>
+          </a:xfrm>
+          <a:prstGeom prst="rect">
+            <a:avLst/>
+          </a:prstGeom>
+          <a:noFill/>
+        </p:spPr>
+        <p:txBody>
+          <a:bodyPr wrap="square" rtlCol="0">
+            <a:spAutoFit/>
+          </a:bodyPr>
+          <a:lstStyle/>
+          <a:p>
+            <a:r>
+              <a:rPr lang="en-US" sz="1600" i="1" dirty="0" smtClean="0">
+                <a:solidFill>
+                  <a:srgbClr val="0070C0"/>
+                </a:solidFill>
+              </a:rPr>
+              <a:t>NP</a:t>
+            </a:r>
+            <a:endParaRPr lang="en-US" sz="1600" i="1" dirty="0">
+              <a:solidFill>
+                <a:srgbClr val="0070C0"/>
+              </a:solidFill>
+            </a:endParaRPr>
+          </a:p>
+        </p:txBody>
+      </p:sp>
+      <p:sp>
+        <p:nvSpPr>
+          <p:cNvPr id="6" name="TextBox 5"/>
+          <p:cNvSpPr txBox="1"/>
+          <p:nvPr/>
+        </p:nvSpPr>
+        <p:spPr>
+          <a:xfrm>
+            <a:off x="4262050" y="4424956"/>
+            <a:ext cx="1084305" cy="338554"/>
+          </a:xfrm>
+          <a:prstGeom prst="rect">
+            <a:avLst/>
+          </a:prstGeom>
+          <a:noFill/>
+        </p:spPr>
+        <p:txBody>
+          <a:bodyPr wrap="square" rtlCol="0">
+            <a:spAutoFit/>
+          </a:bodyPr>
+          <a:lstStyle/>
+          <a:p>
+            <a:r>
+              <a:rPr lang="en-US" sz="1600" i="1" dirty="0" smtClean="0">
+                <a:solidFill>
+                  <a:srgbClr val="FF0000"/>
+                </a:solidFill>
+              </a:rPr>
+              <a:t>Pattern</a:t>
+            </a:r>
+            <a:endParaRPr lang="en-US" i="1" dirty="0">
+              <a:solidFill>
+                <a:srgbClr val="FF0000"/>
+              </a:solidFill>
+            </a:endParaRPr>
+          </a:p>
+        </p:txBody>
+      </p:sp>
+      <p:sp>
+        <p:nvSpPr>
+          <p:cNvPr id="7" name="TextBox 6"/>
+          <p:cNvSpPr txBox="1"/>
+          <p:nvPr/>
+        </p:nvSpPr>
+        <p:spPr>
+          <a:xfrm>
+            <a:off x="8394357" y="4105575"/>
+            <a:ext cx="2372497" cy="646331"/>
+          </a:xfrm>
+          <a:prstGeom prst="rect">
+            <a:avLst/>
+          </a:prstGeom>
+          <a:noFill/>
+        </p:spPr>
+        <p:txBody>
+          <a:bodyPr wrap="square" rtlCol="0">
+            <a:spAutoFit/>
+          </a:bodyPr>
+          <a:lstStyle/>
+          <a:p>
+            <a:r>
+              <a:rPr lang="en-US" dirty="0" smtClean="0"/>
+              <a:t>Category</a:t>
+            </a:r>
+          </a:p>
+          <a:p>
+            <a:r>
+              <a:rPr lang="en-US" dirty="0" err="1" smtClean="0">
+                <a:solidFill>
+                  <a:srgbClr val="00B050"/>
+                </a:solidFill>
+              </a:rPr>
+              <a:t>CarMake</a:t>
+            </a:r>
+            <a:endParaRPr lang="en-US" dirty="0">
+              <a:solidFill>
+                <a:srgbClr val="00B050"/>
+              </a:solidFill>
+            </a:endParaRPr>
+          </a:p>
+        </p:txBody>
+      </p:sp>
+      <p:sp>
+        <p:nvSpPr>
+          <p:cNvPr id="8" name="TextBox 7"/>
+          <p:cNvSpPr txBox="1"/>
+          <p:nvPr/>
+        </p:nvSpPr>
+        <p:spPr>
+          <a:xfrm>
+            <a:off x="1186248" y="5000367"/>
+            <a:ext cx="3888260" cy="923330"/>
+          </a:xfrm>
+          <a:prstGeom prst="rect">
+            <a:avLst/>
+          </a:prstGeom>
+          <a:noFill/>
+        </p:spPr>
+        <p:txBody>
+          <a:bodyPr wrap="square" rtlCol="0">
+            <a:spAutoFit/>
+          </a:bodyPr>
+          <a:lstStyle/>
+          <a:p>
+            <a:r>
+              <a:rPr lang="en-US" dirty="0" smtClean="0"/>
+              <a:t>Associated Promoted Patterns</a:t>
+            </a:r>
+          </a:p>
+          <a:p>
+            <a:r>
+              <a:rPr lang="en-US" i="1" dirty="0" smtClean="0"/>
+              <a:t>- </a:t>
+            </a:r>
+            <a:r>
+              <a:rPr lang="en-US" dirty="0" smtClean="0"/>
+              <a:t>&lt;p class=“auto”&gt;</a:t>
+            </a:r>
+            <a:r>
+              <a:rPr lang="en-US" i="1" dirty="0" smtClean="0"/>
+              <a:t>arg1</a:t>
+            </a:r>
+            <a:r>
+              <a:rPr lang="en-US" dirty="0" smtClean="0"/>
+              <a:t>&lt;/p&gt;</a:t>
+            </a:r>
+          </a:p>
+          <a:p>
+            <a:r>
+              <a:rPr lang="en-US" i="1" dirty="0" smtClean="0"/>
+              <a:t>- </a:t>
+            </a:r>
+            <a:r>
+              <a:rPr lang="en-US" dirty="0" smtClean="0"/>
+              <a:t>&lt;a </a:t>
+            </a:r>
+            <a:r>
+              <a:rPr lang="en-US" dirty="0" err="1" smtClean="0"/>
+              <a:t>href</a:t>
+            </a:r>
+            <a:r>
+              <a:rPr lang="en-US" dirty="0" smtClean="0"/>
+              <a:t>=“car”&gt;</a:t>
+            </a:r>
+            <a:r>
+              <a:rPr lang="en-US" i="1" dirty="0" smtClean="0"/>
+              <a:t>arg1</a:t>
+            </a:r>
+            <a:r>
+              <a:rPr lang="en-US" dirty="0" smtClean="0"/>
+              <a:t>&lt;/a&gt;</a:t>
+            </a:r>
+          </a:p>
+        </p:txBody>
+      </p:sp>
+      <p:sp>
+        <p:nvSpPr>
+          <p:cNvPr id="9" name="TextBox 8"/>
+          <p:cNvSpPr txBox="1"/>
+          <p:nvPr/>
+        </p:nvSpPr>
+        <p:spPr>
+          <a:xfrm>
+            <a:off x="6450227" y="4956917"/>
+            <a:ext cx="3888260" cy="923330"/>
+          </a:xfrm>
+          <a:prstGeom prst="rect">
+            <a:avLst/>
+          </a:prstGeom>
+          <a:noFill/>
+        </p:spPr>
+        <p:txBody>
+          <a:bodyPr wrap="square" rtlCol="0">
+            <a:spAutoFit/>
+          </a:bodyPr>
+          <a:lstStyle/>
+          <a:p>
+            <a:r>
+              <a:rPr lang="en-US" dirty="0" smtClean="0"/>
+              <a:t>Associated Promoted Instances</a:t>
+            </a:r>
+          </a:p>
+          <a:p>
+            <a:r>
+              <a:rPr lang="en-US" dirty="0" smtClean="0"/>
+              <a:t>- Ford</a:t>
+            </a:r>
+          </a:p>
+          <a:p>
+            <a:r>
+              <a:rPr lang="en-US" dirty="0" smtClean="0"/>
+              <a:t>- Audi</a:t>
+            </a:r>
+          </a:p>
+        </p:txBody>
+      </p:sp>
+      <p:cxnSp>
+        <p:nvCxnSpPr>
+          <p:cNvPr id="10" name="Straight Arrow Connector 9"/>
+          <p:cNvCxnSpPr/>
+          <p:nvPr/>
+        </p:nvCxnSpPr>
+        <p:spPr>
+          <a:xfrm flipV="1">
+            <a:off x="4539048" y="4739841"/>
+            <a:ext cx="67449" cy="1010170"/>
+          </a:xfrm>
+          <a:prstGeom prst="straightConnector1">
+            <a:avLst/>
+          </a:prstGeom>
+          <a:ln>
+            <a:tailEnd type="triangle"/>
+          </a:ln>
+        </p:spPr>
+        <p:style>
+          <a:lnRef idx="1">
+            <a:schemeClr val="accent1"/>
+          </a:lnRef>
+          <a:fillRef idx="0">
+            <a:schemeClr val="accent1"/>
+          </a:fillRef>
+          <a:effectRef idx="0">
+            <a:schemeClr val="accent1"/>
+          </a:effectRef>
+          <a:fontRef idx="minor">
+            <a:schemeClr val="tx1"/>
+          </a:fontRef>
+        </p:style>
+      </p:cxnSp>
+      <p:cxnSp>
+        <p:nvCxnSpPr>
+          <p:cNvPr id="11" name="Straight Arrow Connector 10"/>
+          <p:cNvCxnSpPr/>
+          <p:nvPr/>
+        </p:nvCxnSpPr>
+        <p:spPr>
+          <a:xfrm flipH="1" flipV="1">
+            <a:off x="5758249" y="4843726"/>
+            <a:ext cx="611143" cy="848620"/>
+          </a:xfrm>
+          <a:prstGeom prst="straightConnector1">
+            <a:avLst/>
+          </a:prstGeom>
+          <a:ln>
+            <a:tailEnd type="triangle"/>
+          </a:ln>
+        </p:spPr>
+        <p:style>
+          <a:lnRef idx="1">
+            <a:schemeClr val="accent1"/>
+          </a:lnRef>
+          <a:fillRef idx="0">
+            <a:schemeClr val="accent1"/>
+          </a:fillRef>
+          <a:effectRef idx="0">
+            <a:schemeClr val="accent1"/>
+          </a:effectRef>
+          <a:fontRef idx="minor">
+            <a:schemeClr val="tx1"/>
+          </a:fontRef>
+        </p:style>
+      </p:cxnSp>
+      <p:sp>
+        <p:nvSpPr>
+          <p:cNvPr id="12" name="TextBox 11"/>
+          <p:cNvSpPr txBox="1"/>
+          <p:nvPr/>
+        </p:nvSpPr>
+        <p:spPr>
+          <a:xfrm>
+            <a:off x="6264875" y="5941325"/>
+            <a:ext cx="4501979" cy="646331"/>
+          </a:xfrm>
+          <a:prstGeom prst="rect">
+            <a:avLst/>
+          </a:prstGeom>
+          <a:noFill/>
+        </p:spPr>
+        <p:txBody>
+          <a:bodyPr wrap="square" rtlCol="0">
+            <a:spAutoFit/>
+          </a:bodyPr>
+          <a:lstStyle/>
+          <a:p>
+            <a:r>
+              <a:rPr lang="en-US" dirty="0" smtClean="0"/>
+              <a:t>=&gt; </a:t>
+            </a:r>
+            <a:r>
+              <a:rPr lang="en-US" dirty="0" smtClean="0">
+                <a:solidFill>
+                  <a:srgbClr val="FF0000"/>
+                </a:solidFill>
+              </a:rPr>
+              <a:t>&lt;a class=“car”&gt;</a:t>
+            </a:r>
+            <a:r>
+              <a:rPr lang="en-US" i="1" dirty="0" smtClean="0">
+                <a:solidFill>
+                  <a:srgbClr val="FF0000"/>
+                </a:solidFill>
+              </a:rPr>
+              <a:t>arg1</a:t>
+            </a:r>
+            <a:r>
+              <a:rPr lang="en-US" dirty="0" smtClean="0">
+                <a:solidFill>
+                  <a:srgbClr val="FF0000"/>
+                </a:solidFill>
+              </a:rPr>
+              <a:t>&lt;/a&gt;</a:t>
+            </a:r>
+            <a:r>
+              <a:rPr lang="en-US" dirty="0" smtClean="0"/>
+              <a:t> is new </a:t>
+            </a:r>
+            <a:r>
+              <a:rPr lang="en-US" dirty="0" err="1" smtClean="0">
+                <a:solidFill>
+                  <a:srgbClr val="00B050"/>
+                </a:solidFill>
+              </a:rPr>
+              <a:t>CarMake</a:t>
+            </a:r>
+            <a:r>
+              <a:rPr lang="en-US" dirty="0" smtClean="0">
+                <a:solidFill>
+                  <a:srgbClr val="00B050"/>
+                </a:solidFill>
+              </a:rPr>
+              <a:t> </a:t>
+            </a:r>
+            <a:r>
+              <a:rPr lang="en-US" dirty="0" smtClean="0"/>
+              <a:t>category</a:t>
+            </a:r>
+            <a:endParaRPr lang="en-US" dirty="0"/>
+          </a:p>
+        </p:txBody>
+      </p:sp>
+      <p:sp>
+        <p:nvSpPr>
+          <p:cNvPr id="13" name="TextBox 12"/>
+          <p:cNvSpPr txBox="1"/>
+          <p:nvPr/>
+        </p:nvSpPr>
+        <p:spPr>
+          <a:xfrm>
+            <a:off x="759425" y="6079825"/>
+            <a:ext cx="4741906" cy="369332"/>
+          </a:xfrm>
+          <a:prstGeom prst="rect">
+            <a:avLst/>
+          </a:prstGeom>
+          <a:noFill/>
+        </p:spPr>
+        <p:txBody>
+          <a:bodyPr wrap="square" rtlCol="0">
+            <a:spAutoFit/>
+          </a:bodyPr>
+          <a:lstStyle/>
+          <a:p>
+            <a:r>
+              <a:rPr lang="en-US" dirty="0" smtClean="0"/>
+              <a:t>=&gt; </a:t>
+            </a:r>
+            <a:r>
+              <a:rPr lang="en-US" dirty="0" smtClean="0">
+                <a:solidFill>
+                  <a:srgbClr val="0070C0"/>
+                </a:solidFill>
+              </a:rPr>
+              <a:t>Audi </a:t>
+            </a:r>
+            <a:r>
+              <a:rPr lang="en-US" dirty="0" smtClean="0"/>
+              <a:t>is new </a:t>
+            </a:r>
+            <a:r>
+              <a:rPr lang="en-US" dirty="0" err="1" smtClean="0">
+                <a:solidFill>
+                  <a:srgbClr val="00B050"/>
+                </a:solidFill>
+              </a:rPr>
+              <a:t>CarMake</a:t>
+            </a:r>
+            <a:r>
+              <a:rPr lang="en-US" dirty="0" smtClean="0">
+                <a:solidFill>
+                  <a:srgbClr val="00B050"/>
+                </a:solidFill>
+              </a:rPr>
+              <a:t> </a:t>
+            </a:r>
+            <a:r>
+              <a:rPr lang="en-US" dirty="0" smtClean="0"/>
+              <a:t>instance</a:t>
+            </a:r>
+            <a:endParaRPr lang="en-US" dirty="0"/>
+          </a:p>
+        </p:txBody>
+      </p:sp>
+    </p:spTree>
+    <p:extLst>
+      <p:ext uri="{BB962C8B-B14F-4D97-AF65-F5344CB8AC3E}">
+        <p14:creationId xmlns:p14="http://schemas.microsoft.com/office/powerpoint/2010/main" val="2558034584"/>
+      </p:ext>
+    </p:extLst>
+  </p:cSld>
+  <p:clrMapOvr>
+    <a:masterClrMapping/>
+  </p:clrMapOvr>
+  <p:timing>
+    <p:tnLst>
+      <p:par>
+        <p:cTn id="1" dur="indefinite" restart="never" nodeType="tmRoot"/>
+      </p:par>
+    </p:tnLst>
+  </p:timing>
+</p:sld>
+</file>
+
+<file path=ppt/slides/slide13.xml><?xml version="1.0" encoding="utf-8"?>
+<p:sld xmlns:a="http://schemas.openxmlformats.org/drawingml/2006/main" xmlns:r="http://schemas.openxmlformats.org/officeDocument/2006/relationships" xmlns:p="http://schemas.openxmlformats.org/presentationml/2006/main">
+  <p:cSld>
+    <p:spTree>
+      <p:nvGrpSpPr>
+        <p:cNvPr id="1" name=""/>
+        <p:cNvGrpSpPr/>
+        <p:nvPr/>
+      </p:nvGrpSpPr>
+      <p:grpSpPr>
+        <a:xfrm>
+          <a:off x="0" y="0"/>
+          <a:ext cx="0" cy="0"/>
+          <a:chOff x="0" y="0"/>
+          <a:chExt cx="0" cy="0"/>
+        </a:xfrm>
+      </p:grpSpPr>
+      <p:sp>
+        <p:nvSpPr>
+          <p:cNvPr id="2" name="Title 1"/>
+          <p:cNvSpPr>
+            <a:spLocks noGrp="1"/>
+          </p:cNvSpPr>
+          <p:nvPr>
+            <p:ph type="title"/>
+          </p:nvPr>
+        </p:nvSpPr>
         <p:spPr/>
         <p:txBody>
           <a:bodyPr/>
@@ -8767,10 +11174,17 @@
   <p:clrMapOvr>
     <a:masterClrMapping/>
   </p:clrMapOvr>
+  <p:timing>
+    <p:tnLst>
+      <p:par>
+        <p:cTn id="1" dur="indefinite" restart="never" nodeType="tmRoot"/>
+      </p:par>
+    </p:tnLst>
+  </p:timing>
 </p:sld>
 </file>
 
-<file path=ppt/slides/slide11.xml><?xml version="1.0" encoding="utf-8"?>
+<file path=ppt/slides/slide14.xml><?xml version="1.0" encoding="utf-8"?>
 <p:sld xmlns:a="http://schemas.openxmlformats.org/drawingml/2006/main" xmlns:r="http://schemas.openxmlformats.org/officeDocument/2006/relationships" xmlns:p="http://schemas.openxmlformats.org/presentationml/2006/main">
   <p:cSld>
     <p:spTree>
@@ -8796,7 +11210,7 @@
           <p:nvPr/>
         </p:nvPicPr>
         <p:blipFill>
-          <a:blip r:embed="rId2">
+          <a:blip r:embed="rId3">
             <a:extLst>
               <a:ext uri="{28A0092B-C50C-407E-A947-70E740481C1C}">
                 <a14:useLocalDpi xmlns:a14="http://schemas.microsoft.com/office/drawing/2010/main" val="0"/>
@@ -8826,7 +11240,7 @@
           <p:nvPr/>
         </p:nvPicPr>
         <p:blipFill>
-          <a:blip r:embed="rId3">
+          <a:blip r:embed="rId4">
             <a:extLst>
               <a:ext uri="{28A0092B-C50C-407E-A947-70E740481C1C}">
                 <a14:useLocalDpi xmlns:a14="http://schemas.microsoft.com/office/drawing/2010/main" val="0"/>
@@ -8887,10 +11301,17 @@
   <p:clrMapOvr>
     <a:masterClrMapping/>
   </p:clrMapOvr>
+  <p:timing>
+    <p:tnLst>
+      <p:par>
+        <p:cTn id="1" dur="indefinite" restart="never" nodeType="tmRoot"/>
+      </p:par>
+    </p:tnLst>
+  </p:timing>
 </p:sld>
 </file>
 
-<file path=ppt/slides/slide12.xml><?xml version="1.0" encoding="utf-8"?>
+<file path=ppt/slides/slide15.xml><?xml version="1.0" encoding="utf-8"?>
 <p:sld xmlns:a="http://schemas.openxmlformats.org/drawingml/2006/main" xmlns:r="http://schemas.openxmlformats.org/officeDocument/2006/relationships" xmlns:p="http://schemas.openxmlformats.org/presentationml/2006/main">
   <p:cSld>
     <p:spTree>
@@ -8940,9 +11361,16 @@
             <p:ph idx="1"/>
           </p:nvPr>
         </p:nvSpPr>
-        <p:spPr/>
-        <p:txBody>
-          <a:bodyPr/>
+        <p:spPr>
+          <a:xfrm>
+            <a:off x="838200" y="1825624"/>
+            <a:ext cx="10515600" cy="4610009"/>
+          </a:xfrm>
+        </p:spPr>
+        <p:txBody>
+          <a:bodyPr>
+            <a:normAutofit/>
+          </a:bodyPr>
           <a:lstStyle/>
           <a:p>
             <a:r>
@@ -8995,6 +11423,19 @@
             <a:r>
               <a:rPr lang="en-US" dirty="0" smtClean="0"/>
               <a:t>Relations more difficult than categories</a:t>
+            </a:r>
+          </a:p>
+          <a:p>
+            <a:r>
+              <a:rPr lang="en-US" dirty="0" smtClean="0"/>
+              <a:t>Where to go from here?</a:t>
+            </a:r>
+          </a:p>
+          <a:p>
+            <a:pPr lvl="1"/>
+            <a:r>
+              <a:rPr lang="en-US" dirty="0" smtClean="0"/>
+              <a:t>Learning categories and constraints - NELL</a:t>
             </a:r>
           </a:p>
         </p:txBody>
@@ -9009,6 +11450,13 @@
   <p:clrMapOvr>
     <a:masterClrMapping/>
   </p:clrMapOvr>
+  <p:timing>
+    <p:tnLst>
+      <p:par>
+        <p:cTn id="1" dur="indefinite" restart="never" nodeType="tmRoot"/>
+      </p:par>
+    </p:tnLst>
+  </p:timing>
 </p:sld>
 </file>
 
@@ -9031,84 +11479,139 @@
       </p:grpSpPr>
       <p:sp>
         <p:nvSpPr>
-          <p:cNvPr id="2" name="Title 1"/>
+          <p:cNvPr id="3" name="Content Placeholder 2"/>
           <p:cNvSpPr>
             <a:spLocks noGrp="1"/>
           </p:cNvSpPr>
           <p:nvPr>
+            <p:ph idx="1"/>
+          </p:nvPr>
+        </p:nvSpPr>
+        <p:spPr>
+          <a:xfrm>
+            <a:off x="838200" y="1921420"/>
+            <a:ext cx="10515600" cy="4351338"/>
+          </a:xfrm>
+        </p:spPr>
+        <p:txBody>
+          <a:bodyPr>
+            <a:normAutofit/>
+          </a:bodyPr>
+          <a:lstStyle/>
+          <a:p>
+            <a:pPr>
+              <a:spcAft>
+                <a:spcPts val="600"/>
+              </a:spcAft>
+              <a:buFont typeface="Wingdings" panose="05000000000000000000" pitchFamily="2" charset="2"/>
+              <a:buChar char="§"/>
+            </a:pPr>
+            <a:r>
+              <a:rPr lang="en-US" sz="4000" dirty="0" smtClean="0"/>
+              <a:t>What’s the Point?</a:t>
+            </a:r>
+          </a:p>
+          <a:p>
+            <a:pPr>
+              <a:spcAft>
+                <a:spcPts val="600"/>
+              </a:spcAft>
+              <a:buFont typeface="Wingdings" panose="05000000000000000000" pitchFamily="2" charset="2"/>
+              <a:buChar char="§"/>
+            </a:pPr>
+            <a:r>
+              <a:rPr lang="en-US" sz="4000" dirty="0" smtClean="0"/>
+              <a:t>Bootstrapping review</a:t>
+            </a:r>
+          </a:p>
+          <a:p>
+            <a:pPr>
+              <a:spcAft>
+                <a:spcPts val="600"/>
+              </a:spcAft>
+              <a:buFont typeface="Wingdings" panose="05000000000000000000" pitchFamily="2" charset="2"/>
+              <a:buChar char="§"/>
+            </a:pPr>
+            <a:r>
+              <a:rPr lang="en-US" sz="4000" dirty="0" smtClean="0"/>
+              <a:t>Coupling constraints</a:t>
+            </a:r>
+          </a:p>
+          <a:p>
+            <a:pPr>
+              <a:spcAft>
+                <a:spcPts val="600"/>
+              </a:spcAft>
+              <a:buFont typeface="Wingdings" panose="05000000000000000000" pitchFamily="2" charset="2"/>
+              <a:buChar char="§"/>
+            </a:pPr>
+            <a:r>
+              <a:rPr lang="en-US" sz="4000" dirty="0" smtClean="0"/>
+              <a:t>CPL, CSEAL, and MBL</a:t>
+            </a:r>
+          </a:p>
+          <a:p>
+            <a:pPr>
+              <a:spcAft>
+                <a:spcPts val="600"/>
+              </a:spcAft>
+              <a:buFont typeface="Wingdings" panose="05000000000000000000" pitchFamily="2" charset="2"/>
+              <a:buChar char="§"/>
+            </a:pPr>
+            <a:r>
+              <a:rPr lang="en-US" sz="4000" dirty="0" smtClean="0"/>
+              <a:t>Results and Discussion</a:t>
+            </a:r>
+            <a:endParaRPr lang="en-US" sz="4000" dirty="0"/>
+          </a:p>
+        </p:txBody>
+      </p:sp>
+      <p:sp>
+        <p:nvSpPr>
+          <p:cNvPr id="4" name="Title 1"/>
+          <p:cNvSpPr>
+            <a:spLocks noGrp="1"/>
+          </p:cNvSpPr>
+          <p:nvPr>
             <p:ph type="title"/>
           </p:nvPr>
         </p:nvSpPr>
-        <p:spPr/>
+        <p:spPr>
+          <a:xfrm>
+            <a:off x="838200" y="365125"/>
+            <a:ext cx="10515600" cy="1325563"/>
+          </a:xfrm>
+        </p:spPr>
         <p:txBody>
           <a:bodyPr/>
           <a:lstStyle/>
           <a:p>
             <a:pPr algn="ctr"/>
             <a:r>
-              <a:rPr lang="en-US" dirty="0" smtClean="0"/>
-              <a:t>What’s the Point?</a:t>
+              <a:rPr lang="en-US" sz="6000" dirty="0" smtClean="0"/>
+              <a:t>Summary</a:t>
             </a:r>
             <a:endParaRPr lang="en-US" dirty="0"/>
-          </a:p>
-        </p:txBody>
-      </p:sp>
-      <p:sp>
-        <p:nvSpPr>
-          <p:cNvPr id="3" name="Content Placeholder 2"/>
-          <p:cNvSpPr>
-            <a:spLocks noGrp="1"/>
-          </p:cNvSpPr>
-          <p:nvPr>
-            <p:ph idx="1"/>
-          </p:nvPr>
-        </p:nvSpPr>
-        <p:spPr>
-          <a:xfrm>
-            <a:off x="838200" y="2679065"/>
-            <a:ext cx="10515600" cy="4351338"/>
-          </a:xfrm>
-        </p:spPr>
-        <p:txBody>
-          <a:bodyPr/>
-          <a:lstStyle/>
-          <a:p>
-            <a:pPr marL="0" indent="0" algn="ctr">
-              <a:buNone/>
-            </a:pPr>
-            <a:r>
-              <a:rPr lang="en-US" sz="3600" dirty="0" smtClean="0"/>
-              <a:t>Learn new information from the web</a:t>
-            </a:r>
-          </a:p>
-          <a:p>
-            <a:pPr marL="0" indent="0">
-              <a:buNone/>
-            </a:pPr>
-            <a:endParaRPr lang="en-US" dirty="0" smtClean="0"/>
-          </a:p>
-          <a:p>
-            <a:pPr marL="0" indent="0" algn="ctr">
-              <a:buNone/>
-            </a:pPr>
-            <a:r>
-              <a:rPr lang="en-US" i="1" dirty="0" smtClean="0"/>
-              <a:t>Specifically, find new instances of known categories and relations</a:t>
-            </a:r>
-            <a:endParaRPr lang="en-US" i="1" dirty="0"/>
           </a:p>
         </p:txBody>
       </p:sp>
     </p:spTree>
     <p:extLst>
       <p:ext uri="{BB962C8B-B14F-4D97-AF65-F5344CB8AC3E}">
-        <p14:creationId xmlns:p14="http://schemas.microsoft.com/office/powerpoint/2010/main" val="2110714610"/>
+        <p14:creationId xmlns:p14="http://schemas.microsoft.com/office/powerpoint/2010/main" val="2341311478"/>
       </p:ext>
     </p:extLst>
   </p:cSld>
   <p:clrMapOvr>
     <a:masterClrMapping/>
   </p:clrMapOvr>
+  <p:timing>
+    <p:tnLst>
+      <p:par>
+        <p:cTn id="1" dur="indefinite" restart="never" nodeType="tmRoot"/>
+      </p:par>
+    </p:tnLst>
+  </p:timing>
 </p:sld>
 </file>
 
@@ -9131,9 +11634,9 @@
       </p:grpSpPr>
       <p:sp>
         <p:nvSpPr>
-          <p:cNvPr id="94211" name="Rectangle 2"/>
-          <p:cNvSpPr>
-            <a:spLocks noGrp="1" noChangeArrowheads="1"/>
+          <p:cNvPr id="2" name="Title 1"/>
+          <p:cNvSpPr>
+            <a:spLocks noGrp="1"/>
           </p:cNvSpPr>
           <p:nvPr>
             <p:ph type="title"/>
@@ -9144,166 +11647,85 @@
           <a:bodyPr/>
           <a:lstStyle/>
           <a:p>
-            <a:r>
-              <a:rPr lang="en-US" dirty="0"/>
-              <a:t>Bootstrapping </a:t>
-            </a:r>
-          </a:p>
-        </p:txBody>
-      </p:sp>
-      <p:sp>
-        <p:nvSpPr>
-          <p:cNvPr id="94212" name="Rectangle 3"/>
-          <p:cNvSpPr>
-            <a:spLocks noGrp="1" noChangeArrowheads="1"/>
-          </p:cNvSpPr>
-          <p:nvPr>
-            <p:ph type="body" idx="1"/>
+            <a:pPr algn="ctr"/>
+            <a:r>
+              <a:rPr lang="en-US" dirty="0" smtClean="0"/>
+              <a:t>What’s the Point?</a:t>
+            </a:r>
+            <a:endParaRPr lang="en-US" dirty="0"/>
+          </a:p>
+        </p:txBody>
+      </p:sp>
+      <p:sp>
+        <p:nvSpPr>
+          <p:cNvPr id="3" name="Content Placeholder 2"/>
+          <p:cNvSpPr>
+            <a:spLocks noGrp="1"/>
+          </p:cNvSpPr>
+          <p:nvPr>
+            <p:ph idx="1"/>
           </p:nvPr>
         </p:nvSpPr>
         <p:spPr>
           <a:xfrm>
-            <a:off x="406400" y="1701800"/>
-            <a:ext cx="11379200" cy="4673600"/>
+            <a:off x="838200" y="2679065"/>
+            <a:ext cx="10515600" cy="4351338"/>
           </a:xfrm>
         </p:spPr>
         <p:txBody>
           <a:bodyPr/>
           <a:lstStyle/>
           <a:p>
-            <a:r>
-              <a:rPr lang="en-US" dirty="0"/>
-              <a:t>&lt;Mark Twain, Elmira&gt;  </a:t>
-            </a:r>
-            <a:r>
-              <a:rPr lang="en-US" dirty="0">
-                <a:solidFill>
-                  <a:srgbClr val="008000"/>
-                </a:solidFill>
-              </a:rPr>
-              <a:t>Seed tuple</a:t>
-            </a:r>
-            <a:endParaRPr lang="en-US" dirty="0"/>
-          </a:p>
-          <a:p>
-            <a:pPr lvl="1"/>
-            <a:r>
-              <a:rPr lang="en-US" dirty="0" err="1"/>
-              <a:t>Grep</a:t>
-            </a:r>
-            <a:r>
-              <a:rPr lang="en-US" dirty="0"/>
-              <a:t> (</a:t>
-            </a:r>
-            <a:r>
-              <a:rPr lang="en-US" dirty="0" err="1"/>
-              <a:t>google</a:t>
-            </a:r>
-            <a:r>
-              <a:rPr lang="en-US" dirty="0" smtClean="0"/>
-              <a:t>) for the environments of the seed tuple</a:t>
-            </a:r>
-            <a:endParaRPr lang="en-US" dirty="0"/>
-          </a:p>
-          <a:p>
-            <a:pPr marL="609585" lvl="1" indent="0">
+            <a:pPr marL="0" indent="0" algn="ctr">
               <a:buNone/>
             </a:pPr>
             <a:r>
-              <a:rPr lang="en-US" dirty="0"/>
-              <a:t>“Mark Twain is buried in Elmira, NY.”</a:t>
-            </a:r>
-          </a:p>
-          <a:p>
-            <a:pPr marL="1066773" lvl="2" indent="0">
+              <a:rPr lang="en-US" sz="3600" dirty="0" smtClean="0"/>
+              <a:t>Learn new information from the web</a:t>
+            </a:r>
+          </a:p>
+          <a:p>
+            <a:pPr marL="0" indent="0">
               <a:buNone/>
             </a:pPr>
-            <a:r>
-              <a:rPr lang="en-US" dirty="0">
-                <a:solidFill>
-                  <a:srgbClr val="FF8000"/>
-                </a:solidFill>
-              </a:rPr>
-              <a:t>X is buried in Y</a:t>
-            </a:r>
-            <a:endParaRPr lang="en-US" dirty="0"/>
-          </a:p>
-          <a:p>
-            <a:pPr marL="609585" lvl="1" indent="0">
-              <a:buNone/>
-            </a:pPr>
-            <a:r>
-              <a:rPr lang="en-US" dirty="0"/>
-              <a:t>“The grave of Mark Twain is in Elmira”</a:t>
-            </a:r>
-          </a:p>
-          <a:p>
-            <a:pPr marL="1066773" lvl="2" indent="0">
-              <a:buNone/>
-            </a:pPr>
-            <a:r>
-              <a:rPr lang="en-US" dirty="0">
-                <a:solidFill>
-                  <a:srgbClr val="FF8000"/>
-                </a:solidFill>
-              </a:rPr>
-              <a:t>The grave of X is in Y</a:t>
-            </a:r>
-            <a:endParaRPr lang="en-US" dirty="0"/>
-          </a:p>
-          <a:p>
-            <a:pPr marL="609585" lvl="1" indent="0">
-              <a:buNone/>
-            </a:pPr>
-            <a:r>
-              <a:rPr lang="en-US" dirty="0"/>
-              <a:t>“Elmira is Mark Twain’s final resting place”</a:t>
-            </a:r>
-          </a:p>
-          <a:p>
-            <a:pPr marL="1066773" lvl="2" indent="0">
-              <a:buNone/>
-            </a:pPr>
-            <a:r>
-              <a:rPr lang="en-US" dirty="0">
-                <a:solidFill>
-                  <a:srgbClr val="FF8000"/>
-                </a:solidFill>
-              </a:rPr>
-              <a:t>Y is X’s final resting place.</a:t>
-            </a:r>
-          </a:p>
-          <a:p>
-            <a:r>
-              <a:rPr lang="en-US" dirty="0"/>
-              <a:t>Use those patterns to </a:t>
-            </a:r>
-            <a:r>
-              <a:rPr lang="en-US" dirty="0" err="1"/>
-              <a:t>grep</a:t>
-            </a:r>
-            <a:r>
-              <a:rPr lang="en-US" dirty="0"/>
-              <a:t> for new </a:t>
-            </a:r>
-            <a:r>
-              <a:rPr lang="en-US" dirty="0"/>
-              <a:t>tuples</a:t>
-            </a:r>
-          </a:p>
-          <a:p>
-            <a:r>
-              <a:rPr lang="en-US" dirty="0" smtClean="0"/>
-              <a:t>Iterate</a:t>
-            </a:r>
-            <a:endParaRPr lang="en-US" dirty="0"/>
+            <a:endParaRPr lang="en-US" dirty="0" smtClean="0"/>
+          </a:p>
+        </p:txBody>
+      </p:sp>
+      <p:sp>
+        <p:nvSpPr>
+          <p:cNvPr id="5" name="Rectangle 4"/>
+          <p:cNvSpPr/>
+          <p:nvPr/>
+        </p:nvSpPr>
+        <p:spPr>
+          <a:xfrm>
+            <a:off x="838200" y="4316125"/>
+            <a:ext cx="10515600" cy="1077218"/>
+          </a:xfrm>
+          <a:prstGeom prst="rect">
+            <a:avLst/>
+          </a:prstGeom>
+        </p:spPr>
+        <p:txBody>
+          <a:bodyPr wrap="square">
+            <a:spAutoFit/>
+          </a:bodyPr>
+          <a:lstStyle/>
+          <a:p>
+            <a:pPr algn="ctr"/>
+            <a:r>
+              <a:rPr lang="en-US" sz="3200" i="1" dirty="0" smtClean="0"/>
+              <a:t>Specifically, find new instances of known categories and relations</a:t>
+            </a:r>
+            <a:endParaRPr lang="en-US" sz="3200" i="1" dirty="0"/>
           </a:p>
         </p:txBody>
       </p:sp>
     </p:spTree>
     <p:extLst>
       <p:ext uri="{BB962C8B-B14F-4D97-AF65-F5344CB8AC3E}">
-        <p14:creationId xmlns:p14="http://schemas.microsoft.com/office/powerpoint/2010/main" val="1322959928"/>
+        <p14:creationId xmlns:p14="http://schemas.microsoft.com/office/powerpoint/2010/main" val="2110714610"/>
       </p:ext>
     </p:extLst>
   </p:cSld>
@@ -9313,9 +11735,130 @@
   <p:timing>
     <p:tnLst>
       <p:par>
-        <p:cTn id="1" dur="indefinite" restart="never" nodeType="tmRoot"/>
+        <p:cTn id="1" dur="indefinite" restart="never" nodeType="tmRoot">
+          <p:childTnLst>
+            <p:seq concurrent="1" nextAc="seek">
+              <p:cTn id="2" dur="indefinite" nodeType="mainSeq">
+                <p:childTnLst>
+                  <p:par>
+                    <p:cTn id="3" fill="hold">
+                      <p:stCondLst>
+                        <p:cond delay="indefinite"/>
+                      </p:stCondLst>
+                      <p:childTnLst>
+                        <p:par>
+                          <p:cTn id="4" fill="hold">
+                            <p:stCondLst>
+                              <p:cond delay="0"/>
+                            </p:stCondLst>
+                            <p:childTnLst>
+                              <p:par>
+                                <p:cTn id="5" presetID="1" presetClass="entr" presetSubtype="0" fill="hold" grpId="0" nodeType="clickEffect">
+                                  <p:stCondLst>
+                                    <p:cond delay="0"/>
+                                  </p:stCondLst>
+                                  <p:childTnLst>
+                                    <p:set>
+                                      <p:cBhvr>
+                                        <p:cTn id="6" dur="1" fill="hold">
+                                          <p:stCondLst>
+                                            <p:cond delay="0"/>
+                                          </p:stCondLst>
+                                        </p:cTn>
+                                        <p:tgtEl>
+                                          <p:spTgt spid="3">
+                                            <p:txEl>
+                                              <p:pRg st="0" end="0"/>
+                                            </p:txEl>
+                                          </p:spTgt>
+                                        </p:tgtEl>
+                                        <p:attrNameLst>
+                                          <p:attrName>style.visibility</p:attrName>
+                                        </p:attrNameLst>
+                                      </p:cBhvr>
+                                      <p:to>
+                                        <p:strVal val="visible"/>
+                                      </p:to>
+                                    </p:set>
+                                  </p:childTnLst>
+                                </p:cTn>
+                              </p:par>
+                            </p:childTnLst>
+                          </p:cTn>
+                        </p:par>
+                      </p:childTnLst>
+                    </p:cTn>
+                  </p:par>
+                  <p:par>
+                    <p:cTn id="7" fill="hold">
+                      <p:stCondLst>
+                        <p:cond delay="indefinite"/>
+                      </p:stCondLst>
+                      <p:childTnLst>
+                        <p:par>
+                          <p:cTn id="8" fill="hold">
+                            <p:stCondLst>
+                              <p:cond delay="0"/>
+                            </p:stCondLst>
+                            <p:childTnLst>
+                              <p:par>
+                                <p:cTn id="9" presetID="1" presetClass="entr" presetSubtype="0" fill="hold" grpId="0" nodeType="clickEffect">
+                                  <p:stCondLst>
+                                    <p:cond delay="0"/>
+                                  </p:stCondLst>
+                                  <p:childTnLst>
+                                    <p:set>
+                                      <p:cBhvr>
+                                        <p:cTn id="10" dur="1" fill="hold">
+                                          <p:stCondLst>
+                                            <p:cond delay="0"/>
+                                          </p:stCondLst>
+                                        </p:cTn>
+                                        <p:tgtEl>
+                                          <p:spTgt spid="5"/>
+                                        </p:tgtEl>
+                                        <p:attrNameLst>
+                                          <p:attrName>style.visibility</p:attrName>
+                                        </p:attrNameLst>
+                                      </p:cBhvr>
+                                      <p:to>
+                                        <p:strVal val="visible"/>
+                                      </p:to>
+                                    </p:set>
+                                  </p:childTnLst>
+                                </p:cTn>
+                              </p:par>
+                            </p:childTnLst>
+                          </p:cTn>
+                        </p:par>
+                      </p:childTnLst>
+                    </p:cTn>
+                  </p:par>
+                </p:childTnLst>
+              </p:cTn>
+              <p:prevCondLst>
+                <p:cond evt="onPrev" delay="0">
+                  <p:tgtEl>
+                    <p:sldTgt/>
+                  </p:tgtEl>
+                </p:cond>
+              </p:prevCondLst>
+              <p:nextCondLst>
+                <p:cond evt="onNext" delay="0">
+                  <p:tgtEl>
+                    <p:sldTgt/>
+                  </p:tgtEl>
+                </p:cond>
+              </p:nextCondLst>
+            </p:seq>
+          </p:childTnLst>
+        </p:cTn>
       </p:par>
     </p:tnLst>
+    <p:bldLst>
+      <p:bldP spid="3" grpId="0" build="p"/>
+      <p:bldP spid="5" grpId="0"/>
+    </p:bldLst>
   </p:timing>
 </p:sld>
 </file>
@@ -9339,6 +11882,214 @@
       </p:grpSpPr>
       <p:sp>
         <p:nvSpPr>
+          <p:cNvPr id="94211" name="Rectangle 2"/>
+          <p:cNvSpPr>
+            <a:spLocks noGrp="1" noChangeArrowheads="1"/>
+          </p:cNvSpPr>
+          <p:nvPr>
+            <p:ph type="title"/>
+          </p:nvPr>
+        </p:nvSpPr>
+        <p:spPr/>
+        <p:txBody>
+          <a:bodyPr/>
+          <a:lstStyle/>
+          <a:p>
+            <a:r>
+              <a:rPr lang="en-US" dirty="0"/>
+              <a:t>Bootstrapping </a:t>
+            </a:r>
+          </a:p>
+        </p:txBody>
+      </p:sp>
+      <p:sp>
+        <p:nvSpPr>
+          <p:cNvPr id="94212" name="Rectangle 3"/>
+          <p:cNvSpPr>
+            <a:spLocks noGrp="1" noChangeArrowheads="1"/>
+          </p:cNvSpPr>
+          <p:nvPr>
+            <p:ph type="body" idx="1"/>
+          </p:nvPr>
+        </p:nvSpPr>
+        <p:spPr>
+          <a:xfrm>
+            <a:off x="406400" y="1701800"/>
+            <a:ext cx="11379200" cy="4673600"/>
+          </a:xfrm>
+        </p:spPr>
+        <p:txBody>
+          <a:bodyPr/>
+          <a:lstStyle/>
+          <a:p>
+            <a:r>
+              <a:rPr lang="en-US" dirty="0"/>
+              <a:t>&lt;Mark Twain, Elmira&gt;  </a:t>
+            </a:r>
+            <a:r>
+              <a:rPr lang="en-US" dirty="0">
+                <a:solidFill>
+                  <a:srgbClr val="008000"/>
+                </a:solidFill>
+              </a:rPr>
+              <a:t>Seed tuple</a:t>
+            </a:r>
+            <a:endParaRPr lang="en-US" dirty="0"/>
+          </a:p>
+          <a:p>
+            <a:pPr lvl="1"/>
+            <a:r>
+              <a:rPr lang="en-US" dirty="0" err="1"/>
+              <a:t>Grep</a:t>
+            </a:r>
+            <a:r>
+              <a:rPr lang="en-US" dirty="0"/>
+              <a:t> (</a:t>
+            </a:r>
+            <a:r>
+              <a:rPr lang="en-US" dirty="0" err="1"/>
+              <a:t>google</a:t>
+            </a:r>
+            <a:r>
+              <a:rPr lang="en-US" dirty="0" smtClean="0"/>
+              <a:t>) for the environments of the seed tuple</a:t>
+            </a:r>
+            <a:endParaRPr lang="en-US" dirty="0"/>
+          </a:p>
+          <a:p>
+            <a:pPr marL="609585" lvl="1" indent="0">
+              <a:buNone/>
+            </a:pPr>
+            <a:r>
+              <a:rPr lang="en-US" dirty="0"/>
+              <a:t>“Mark Twain is buried in Elmira, NY.”</a:t>
+            </a:r>
+          </a:p>
+          <a:p>
+            <a:pPr marL="1066773" lvl="2" indent="0">
+              <a:buNone/>
+            </a:pPr>
+            <a:r>
+              <a:rPr lang="en-US" dirty="0">
+                <a:solidFill>
+                  <a:srgbClr val="FF8000"/>
+                </a:solidFill>
+              </a:rPr>
+              <a:t>X is buried in Y</a:t>
+            </a:r>
+            <a:endParaRPr lang="en-US" dirty="0"/>
+          </a:p>
+          <a:p>
+            <a:pPr marL="609585" lvl="1" indent="0">
+              <a:buNone/>
+            </a:pPr>
+            <a:r>
+              <a:rPr lang="en-US" dirty="0"/>
+              <a:t>“The grave of Mark Twain is in Elmira”</a:t>
+            </a:r>
+          </a:p>
+          <a:p>
+            <a:pPr marL="1066773" lvl="2" indent="0">
+              <a:buNone/>
+            </a:pPr>
+            <a:r>
+              <a:rPr lang="en-US" dirty="0">
+                <a:solidFill>
+                  <a:srgbClr val="FF8000"/>
+                </a:solidFill>
+              </a:rPr>
+              <a:t>The grave of X is in Y</a:t>
+            </a:r>
+            <a:endParaRPr lang="en-US" dirty="0"/>
+          </a:p>
+          <a:p>
+            <a:pPr marL="609585" lvl="1" indent="0">
+              <a:buNone/>
+            </a:pPr>
+            <a:r>
+              <a:rPr lang="en-US" dirty="0"/>
+              <a:t>“Elmira is Mark Twain’s final resting place”</a:t>
+            </a:r>
+          </a:p>
+          <a:p>
+            <a:pPr marL="1066773" lvl="2" indent="0">
+              <a:buNone/>
+            </a:pPr>
+            <a:r>
+              <a:rPr lang="en-US" dirty="0">
+                <a:solidFill>
+                  <a:srgbClr val="FF8000"/>
+                </a:solidFill>
+              </a:rPr>
+              <a:t>Y is X’s final resting place.</a:t>
+            </a:r>
+          </a:p>
+          <a:p>
+            <a:r>
+              <a:rPr lang="en-US" dirty="0"/>
+              <a:t>Use those patterns to </a:t>
+            </a:r>
+            <a:r>
+              <a:rPr lang="en-US" dirty="0" err="1"/>
+              <a:t>grep</a:t>
+            </a:r>
+            <a:r>
+              <a:rPr lang="en-US" dirty="0"/>
+              <a:t> for new </a:t>
+            </a:r>
+            <a:r>
+              <a:rPr lang="en-US" dirty="0"/>
+              <a:t>tuples</a:t>
+            </a:r>
+          </a:p>
+          <a:p>
+            <a:r>
+              <a:rPr lang="en-US" dirty="0" smtClean="0"/>
+              <a:t>Iterate</a:t>
+            </a:r>
+            <a:endParaRPr lang="en-US" dirty="0"/>
+          </a:p>
+        </p:txBody>
+      </p:sp>
+    </p:spTree>
+    <p:extLst>
+      <p:ext uri="{BB962C8B-B14F-4D97-AF65-F5344CB8AC3E}">
+        <p14:creationId xmlns:p14="http://schemas.microsoft.com/office/powerpoint/2010/main" val="1322959928"/>
+      </p:ext>
+    </p:extLst>
+  </p:cSld>
+  <p:clrMapOvr>
+    <a:masterClrMapping/>
+  </p:clrMapOvr>
+  <p:timing>
+    <p:tnLst>
+      <p:par>
+        <p:cTn id="1" dur="indefinite" restart="never" nodeType="tmRoot"/>
+      </p:par>
+    </p:tnLst>
+  </p:timing>
+</p:sld>
+</file>
+
+<file path=ppt/slides/slide5.xml><?xml version="1.0" encoding="utf-8"?>
+<p:sld xmlns:a="http://schemas.openxmlformats.org/drawingml/2006/main" xmlns:r="http://schemas.openxmlformats.org/officeDocument/2006/relationships" xmlns:p="http://schemas.openxmlformats.org/presentationml/2006/main">
+  <p:cSld>
+    <p:spTree>
+      <p:nvGrpSpPr>
+        <p:cNvPr id="1" name=""/>
+        <p:cNvGrpSpPr/>
+        <p:nvPr/>
+      </p:nvGrpSpPr>
+      <p:grpSpPr>
+        <a:xfrm>
+          <a:off x="0" y="0"/>
+          <a:ext cx="0" cy="0"/>
+          <a:chOff x="0" y="0"/>
+          <a:chExt cx="0" cy="0"/>
+        </a:xfrm>
+      </p:grpSpPr>
+      <p:sp>
+        <p:nvSpPr>
           <p:cNvPr id="15361" name="TextBox 122"/>
           <p:cNvSpPr txBox="1">
             <a:spLocks noChangeArrowheads="1"/>
@@ -9347,7 +12098,7 @@
         </p:nvSpPr>
         <p:spPr bwMode="auto">
           <a:xfrm>
-            <a:off x="1905000" y="4114800"/>
+            <a:off x="697992" y="4160045"/>
             <a:ext cx="3352800" cy="1570038"/>
           </a:xfrm>
           <a:prstGeom prst="rect">
@@ -9696,8 +12447,8 @@
         </p:nvGrpSpPr>
         <p:grpSpPr bwMode="auto">
           <a:xfrm>
-            <a:off x="5867400" y="1524001"/>
-            <a:ext cx="4800600" cy="3421063"/>
+            <a:off x="4806696" y="1588009"/>
+            <a:ext cx="6403848" cy="4142074"/>
             <a:chOff x="4343400" y="1524000"/>
             <a:chExt cx="4800600" cy="3421797"/>
           </a:xfrm>
@@ -9945,7 +12696,7 @@
         </p:nvSpPr>
         <p:spPr bwMode="auto">
           <a:xfrm>
-            <a:off x="3124200" y="1905000"/>
+            <a:off x="1917192" y="1950245"/>
             <a:ext cx="1066800" cy="369888"/>
           </a:xfrm>
           <a:prstGeom prst="rect">
@@ -10106,7 +12857,7 @@
         </p:nvSpPr>
         <p:spPr>
           <a:xfrm>
-            <a:off x="3606800" y="3409950"/>
+            <a:off x="2399792" y="3455195"/>
             <a:ext cx="152400" cy="152400"/>
           </a:xfrm>
           <a:prstGeom prst="donut">
@@ -10154,7 +12905,7 @@
         </p:nvSpPr>
         <p:spPr bwMode="auto">
           <a:xfrm rot="10800000" flipV="1">
-            <a:off x="2743200" y="3581370"/>
+            <a:off x="1536192" y="3626615"/>
             <a:ext cx="1905000" cy="400110"/>
           </a:xfrm>
           <a:prstGeom prst="rect">
@@ -10327,7 +13078,7 @@
         </p:nvCxnSpPr>
         <p:spPr>
           <a:xfrm rot="16200000" flipV="1">
-            <a:off x="3184525" y="2911475"/>
+            <a:off x="1977517" y="2956720"/>
             <a:ext cx="971550" cy="25400"/>
           </a:xfrm>
           <a:prstGeom prst="straightConnector1">
@@ -10363,7 +13114,7 @@
         </p:nvSpPr>
         <p:spPr>
           <a:xfrm>
-            <a:off x="3581400" y="2286000"/>
+            <a:off x="2374392" y="2331245"/>
             <a:ext cx="152400" cy="152400"/>
           </a:xfrm>
           <a:prstGeom prst="donut">
@@ -10409,8 +13160,8 @@
         </p:nvSpPr>
         <p:spPr>
           <a:xfrm>
-            <a:off x="337751" y="6384324"/>
-            <a:ext cx="1952368" cy="307777"/>
+            <a:off x="10816775" y="6416358"/>
+            <a:ext cx="1125289" cy="307777"/>
           </a:xfrm>
           <a:prstGeom prst="rect">
             <a:avLst/>
@@ -10451,7 +13202,7 @@
 </p:sld>
 </file>
 
-<file path=ppt/slides/slide5.xml><?xml version="1.0" encoding="utf-8"?>
+<file path=ppt/slides/slide6.xml><?xml version="1.0" encoding="utf-8"?>
 <p:sld xmlns:a="http://schemas.openxmlformats.org/drawingml/2006/main" xmlns:r="http://schemas.openxmlformats.org/officeDocument/2006/relationships" xmlns:p="http://schemas.openxmlformats.org/presentationml/2006/main">
   <p:cSld>
     <p:spTree>
@@ -12332,8 +15083,8 @@
         </p:nvSpPr>
         <p:spPr>
           <a:xfrm>
-            <a:off x="337751" y="6384324"/>
-            <a:ext cx="1952368" cy="307777"/>
+            <a:off x="10579517" y="6429575"/>
+            <a:ext cx="1218500" cy="307777"/>
           </a:xfrm>
           <a:prstGeom prst="rect">
             <a:avLst/>
@@ -12374,185 +15125,6 @@
 </p:sld>
 </file>
 
-<file path=ppt/slides/slide6.xml><?xml version="1.0" encoding="utf-8"?>
-<p:sld xmlns:a="http://schemas.openxmlformats.org/drawingml/2006/main" xmlns:r="http://schemas.openxmlformats.org/officeDocument/2006/relationships" xmlns:p="http://schemas.openxmlformats.org/presentationml/2006/main">
-  <p:cSld>
-    <p:spTree>
-      <p:nvGrpSpPr>
-        <p:cNvPr id="1" name=""/>
-        <p:cNvGrpSpPr/>
-        <p:nvPr/>
-      </p:nvGrpSpPr>
-      <p:grpSpPr>
-        <a:xfrm>
-          <a:off x="0" y="0"/>
-          <a:ext cx="0" cy="0"/>
-          <a:chOff x="0" y="0"/>
-          <a:chExt cx="0" cy="0"/>
-        </a:xfrm>
-      </p:grpSpPr>
-      <p:sp>
-        <p:nvSpPr>
-          <p:cNvPr id="4" name="TextBox 3"/>
-          <p:cNvSpPr txBox="1"/>
-          <p:nvPr/>
-        </p:nvSpPr>
-        <p:spPr>
-          <a:xfrm>
-            <a:off x="1367953" y="1623795"/>
-            <a:ext cx="7117492" cy="1815882"/>
-          </a:xfrm>
-          <a:prstGeom prst="rect">
-            <a:avLst/>
-          </a:prstGeom>
-          <a:noFill/>
-        </p:spPr>
-        <p:txBody>
-          <a:bodyPr wrap="square" rtlCol="0">
-            <a:spAutoFit/>
-          </a:bodyPr>
-          <a:lstStyle/>
-          <a:p>
-            <a:r>
-              <a:rPr lang="en-US" sz="2800" dirty="0" smtClean="0"/>
-              <a:t>Types of Constraints</a:t>
-            </a:r>
-          </a:p>
-          <a:p>
-            <a:pPr marL="285750" indent="-285750">
-              <a:buFont typeface="Arial" panose="020B0604020202020204" pitchFamily="34" charset="0"/>
-              <a:buChar char="•"/>
-            </a:pPr>
-            <a:r>
-              <a:rPr lang="en-US" sz="2800" dirty="0" smtClean="0"/>
-              <a:t>Output constraints</a:t>
-            </a:r>
-          </a:p>
-          <a:p>
-            <a:pPr marL="285750" indent="-285750">
-              <a:buFont typeface="Arial" panose="020B0604020202020204" pitchFamily="34" charset="0"/>
-              <a:buChar char="•"/>
-            </a:pPr>
-            <a:r>
-              <a:rPr lang="en-US" sz="2800" dirty="0" smtClean="0"/>
-              <a:t>Compositional constraints</a:t>
-            </a:r>
-          </a:p>
-          <a:p>
-            <a:pPr marL="285750" indent="-285750">
-              <a:buFont typeface="Arial" panose="020B0604020202020204" pitchFamily="34" charset="0"/>
-              <a:buChar char="•"/>
-            </a:pPr>
-            <a:r>
-              <a:rPr lang="en-US" sz="2800" dirty="0" smtClean="0"/>
-              <a:t>Multi-view-agreement constraints</a:t>
-            </a:r>
-            <a:endParaRPr lang="en-US" sz="2800" dirty="0"/>
-          </a:p>
-        </p:txBody>
-      </p:sp>
-      <p:sp>
-        <p:nvSpPr>
-          <p:cNvPr id="5" name="TextBox 4"/>
-          <p:cNvSpPr txBox="1"/>
-          <p:nvPr/>
-        </p:nvSpPr>
-        <p:spPr>
-          <a:xfrm>
-            <a:off x="1367952" y="4107503"/>
-            <a:ext cx="7117494" cy="1631216"/>
-          </a:xfrm>
-          <a:prstGeom prst="rect">
-            <a:avLst/>
-          </a:prstGeom>
-          <a:noFill/>
-        </p:spPr>
-        <p:txBody>
-          <a:bodyPr wrap="square" rtlCol="0">
-            <a:spAutoFit/>
-          </a:bodyPr>
-          <a:lstStyle/>
-          <a:p>
-            <a:r>
-              <a:rPr lang="en-US" sz="2800" dirty="0" smtClean="0"/>
-              <a:t>Specific Constraints</a:t>
-            </a:r>
-          </a:p>
-          <a:p>
-            <a:pPr marL="285750" indent="-285750">
-              <a:buFont typeface="Arial" panose="020B0604020202020204" pitchFamily="34" charset="0"/>
-              <a:buChar char="•"/>
-            </a:pPr>
-            <a:r>
-              <a:rPr lang="en-US" sz="2400" dirty="0" smtClean="0"/>
-              <a:t>Mutual exclusion</a:t>
-            </a:r>
-          </a:p>
-          <a:p>
-            <a:pPr marL="285750" indent="-285750">
-              <a:buFont typeface="Arial" panose="020B0604020202020204" pitchFamily="34" charset="0"/>
-              <a:buChar char="•"/>
-            </a:pPr>
-            <a:r>
-              <a:rPr lang="en-US" sz="2400" dirty="0" smtClean="0"/>
-              <a:t>Argument type-checking</a:t>
-            </a:r>
-          </a:p>
-          <a:p>
-            <a:pPr marL="285750" indent="-285750">
-              <a:buFont typeface="Arial" panose="020B0604020202020204" pitchFamily="34" charset="0"/>
-              <a:buChar char="•"/>
-            </a:pPr>
-            <a:r>
-              <a:rPr lang="en-US" sz="2400" dirty="0" smtClean="0"/>
-              <a:t>Unstructured and Semi-structured comparison</a:t>
-            </a:r>
-          </a:p>
-        </p:txBody>
-      </p:sp>
-      <p:sp>
-        <p:nvSpPr>
-          <p:cNvPr id="6" name="TextBox 5"/>
-          <p:cNvSpPr txBox="1"/>
-          <p:nvPr/>
-        </p:nvSpPr>
-        <p:spPr>
-          <a:xfrm>
-            <a:off x="949234" y="409303"/>
-            <a:ext cx="9344297" cy="769441"/>
-          </a:xfrm>
-          <a:prstGeom prst="rect">
-            <a:avLst/>
-          </a:prstGeom>
-          <a:noFill/>
-        </p:spPr>
-        <p:txBody>
-          <a:bodyPr wrap="square" rtlCol="0">
-            <a:spAutoFit/>
-          </a:bodyPr>
-          <a:lstStyle/>
-          <a:p>
-            <a:r>
-              <a:rPr lang="en-US" sz="4400" dirty="0" smtClean="0"/>
-              <a:t>Coupling Constraints</a:t>
-            </a:r>
-            <a:endParaRPr lang="en-US" dirty="0"/>
-          </a:p>
-        </p:txBody>
-      </p:sp>
-    </p:spTree>
-    <p:extLst>
-      <p:ext uri="{BB962C8B-B14F-4D97-AF65-F5344CB8AC3E}">
-        <p14:creationId xmlns:p14="http://schemas.microsoft.com/office/powerpoint/2010/main" val="2278660430"/>
-      </p:ext>
-    </p:extLst>
-  </p:cSld>
-  <p:clrMapOvr>
-    <a:masterClrMapping/>
-  </p:clrMapOvr>
-</p:sld>
-</file>
-
 <file path=ppt/slides/slide7.xml><?xml version="1.0" encoding="utf-8"?>
 <p:sld xmlns:a="http://schemas.openxmlformats.org/drawingml/2006/main" xmlns:r="http://schemas.openxmlformats.org/officeDocument/2006/relationships" xmlns:p="http://schemas.openxmlformats.org/presentationml/2006/main">
   <p:cSld>
@@ -12572,6 +15144,133 @@
       </p:grpSpPr>
       <p:sp>
         <p:nvSpPr>
+          <p:cNvPr id="4" name="TextBox 3"/>
+          <p:cNvSpPr txBox="1"/>
+          <p:nvPr/>
+        </p:nvSpPr>
+        <p:spPr>
+          <a:xfrm>
+            <a:off x="572424" y="2062707"/>
+            <a:ext cx="11525087" cy="2862322"/>
+          </a:xfrm>
+          <a:prstGeom prst="rect">
+            <a:avLst/>
+          </a:prstGeom>
+          <a:noFill/>
+        </p:spPr>
+        <p:txBody>
+          <a:bodyPr wrap="square" rtlCol="0">
+            <a:spAutoFit/>
+          </a:bodyPr>
+          <a:lstStyle/>
+          <a:p>
+            <a:r>
+              <a:rPr lang="en-US" sz="3600" dirty="0" smtClean="0"/>
+              <a:t>Types of Constraints</a:t>
+            </a:r>
+          </a:p>
+          <a:p>
+            <a:pPr marL="285750" indent="-285750">
+              <a:buFont typeface="Arial" panose="020B0604020202020204" pitchFamily="34" charset="0"/>
+              <a:buChar char="•"/>
+            </a:pPr>
+            <a:r>
+              <a:rPr lang="en-US" sz="3600" dirty="0" smtClean="0"/>
+              <a:t>Output constraints :: Mutual exclusion</a:t>
+            </a:r>
+          </a:p>
+          <a:p>
+            <a:pPr marL="285750" indent="-285750">
+              <a:buFont typeface="Arial" panose="020B0604020202020204" pitchFamily="34" charset="0"/>
+              <a:buChar char="•"/>
+            </a:pPr>
+            <a:r>
+              <a:rPr lang="en-US" sz="3600" dirty="0" smtClean="0"/>
+              <a:t>Compositional constraints :: Argument type-checking</a:t>
+            </a:r>
+          </a:p>
+          <a:p>
+            <a:pPr marL="285750" indent="-285750">
+              <a:buFont typeface="Arial" panose="020B0604020202020204" pitchFamily="34" charset="0"/>
+              <a:buChar char="•"/>
+            </a:pPr>
+            <a:r>
+              <a:rPr lang="en-US" sz="3600" dirty="0" smtClean="0"/>
+              <a:t>Multi-view-agreement constraints :: Unstructured and semi-structured comparison</a:t>
+            </a:r>
+            <a:endParaRPr lang="en-US" sz="3600" dirty="0"/>
+          </a:p>
+        </p:txBody>
+      </p:sp>
+      <p:sp>
+        <p:nvSpPr>
+          <p:cNvPr id="6" name="TextBox 5"/>
+          <p:cNvSpPr txBox="1"/>
+          <p:nvPr/>
+        </p:nvSpPr>
+        <p:spPr>
+          <a:xfrm>
+            <a:off x="949234" y="409303"/>
+            <a:ext cx="9344297" cy="769441"/>
+          </a:xfrm>
+          <a:prstGeom prst="rect">
+            <a:avLst/>
+          </a:prstGeom>
+          <a:noFill/>
+        </p:spPr>
+        <p:txBody>
+          <a:bodyPr wrap="square" rtlCol="0">
+            <a:spAutoFit/>
+          </a:bodyPr>
+          <a:lstStyle/>
+          <a:p>
+            <a:r>
+              <a:rPr lang="en-US" sz="4400" dirty="0" smtClean="0"/>
+              <a:t>Coupling Constraints</a:t>
+            </a:r>
+            <a:endParaRPr lang="en-US" dirty="0"/>
+          </a:p>
+        </p:txBody>
+      </p:sp>
+    </p:spTree>
+    <p:extLst>
+      <p:ext uri="{BB962C8B-B14F-4D97-AF65-F5344CB8AC3E}">
+        <p14:creationId xmlns:p14="http://schemas.microsoft.com/office/powerpoint/2010/main" val="2278660430"/>
+      </p:ext>
+    </p:extLst>
+  </p:cSld>
+  <p:clrMapOvr>
+    <a:masterClrMapping/>
+  </p:clrMapOvr>
+  <p:timing>
+    <p:tnLst>
+      <p:par>
+        <p:cTn id="1" dur="indefinite" restart="never" nodeType="tmRoot"/>
+      </p:par>
+    </p:tnLst>
+  </p:timing>
+</p:sld>
+</file>
+
+<file path=ppt/slides/slide8.xml><?xml version="1.0" encoding="utf-8"?>
+<p:sld xmlns:a="http://schemas.openxmlformats.org/drawingml/2006/main" xmlns:r="http://schemas.openxmlformats.org/officeDocument/2006/relationships" xmlns:p="http://schemas.openxmlformats.org/presentationml/2006/main">
+  <p:cSld>
+    <p:spTree>
+      <p:nvGrpSpPr>
+        <p:cNvPr id="1" name=""/>
+        <p:cNvGrpSpPr/>
+        <p:nvPr/>
+      </p:nvGrpSpPr>
+      <p:grpSpPr>
+        <a:xfrm>
+          <a:off x="0" y="0"/>
+          <a:ext cx="0" cy="0"/>
+          <a:chOff x="0" y="0"/>
+          <a:chExt cx="0" cy="0"/>
+        </a:xfrm>
+      </p:grpSpPr>
+      <p:sp>
+        <p:nvSpPr>
           <p:cNvPr id="2" name="Title 1"/>
           <p:cNvSpPr>
             <a:spLocks noGrp="1"/>
@@ -12854,8 +15553,8 @@
         </p:nvSpPr>
         <p:spPr>
           <a:xfrm>
-            <a:off x="3696731" y="4334046"/>
-            <a:ext cx="3223054" cy="1576602"/>
+            <a:off x="3126377" y="4334046"/>
+            <a:ext cx="4537166" cy="1576602"/>
           </a:xfrm>
           <a:prstGeom prst="rect">
             <a:avLst/>
@@ -12863,7 +15562,7 @@
         </p:spPr>
         <p:txBody>
           <a:bodyPr vert="horz" lIns="91440" tIns="45720" rIns="91440" bIns="45720" rtlCol="0">
-            <a:normAutofit/>
+            <a:normAutofit fontScale="92500"/>
           </a:bodyPr>
           <a:lstStyle>
             <a:lvl1pPr marL="228600" indent="-228600" algn="l" defTabSz="914400" rtl="0" eaLnBrk="1" latinLnBrk="0" hangingPunct="1">
@@ -13036,7 +15735,7 @@
             </a:pPr>
             <a:r>
               <a:rPr lang="en-US" b="1" dirty="0" smtClean="0"/>
-              <a:t>MPL</a:t>
+              <a:t>Meta-Bootstrap Learner (MBL)</a:t>
             </a:r>
           </a:p>
           <a:p>
@@ -13057,19 +15756,18 @@
           <p:cNvPr id="8" name="Straight Arrow Connector 7"/>
           <p:cNvCxnSpPr>
             <a:stCxn id="4" idx="2"/>
-            <a:endCxn id="6" idx="0"/>
           </p:cNvCxnSpPr>
           <p:nvPr/>
         </p:nvCxnSpPr>
         <p:spPr>
           <a:xfrm>
             <a:off x="2449727" y="3402227"/>
-            <a:ext cx="2858531" cy="931819"/>
+            <a:ext cx="2179423" cy="931819"/>
           </a:xfrm>
           <a:prstGeom prst="straightConnector1">
             <a:avLst/>
           </a:prstGeom>
-          <a:ln>
+          <a:ln w="25400">
             <a:tailEnd type="triangle"/>
           </a:ln>
         </p:spPr>
@@ -13093,19 +15791,18 @@
           <p:cNvPr id="10" name="Straight Arrow Connector 9"/>
           <p:cNvCxnSpPr>
             <a:stCxn id="5" idx="2"/>
-            <a:endCxn id="6" idx="0"/>
           </p:cNvCxnSpPr>
           <p:nvPr/>
         </p:nvCxnSpPr>
         <p:spPr>
           <a:xfrm flipH="1">
-            <a:off x="5308258" y="3402227"/>
-            <a:ext cx="2673178" cy="931819"/>
+            <a:off x="6071610" y="3402227"/>
+            <a:ext cx="1909826" cy="931819"/>
           </a:xfrm>
           <a:prstGeom prst="straightConnector1">
             <a:avLst/>
           </a:prstGeom>
-          <a:ln>
+          <a:ln w="25400">
             <a:tailEnd type="triangle"/>
           </a:ln>
         </p:spPr>
@@ -13134,10 +15831,17 @@
   <p:clrMapOvr>
     <a:masterClrMapping/>
   </p:clrMapOvr>
+  <p:timing>
+    <p:tnLst>
+      <p:par>
+        <p:cTn id="1" dur="indefinite" restart="never" nodeType="tmRoot"/>
+      </p:par>
+    </p:tnLst>
+  </p:timing>
 </p:sld>
 </file>
 
-<file path=ppt/slides/slide8.xml><?xml version="1.0" encoding="utf-8"?>
+<file path=ppt/slides/slide9.xml><?xml version="1.0" encoding="utf-8"?>
 <p:sld xmlns:a="http://schemas.openxmlformats.org/drawingml/2006/main" xmlns:r="http://schemas.openxmlformats.org/officeDocument/2006/relationships" xmlns:p="http://schemas.openxmlformats.org/presentationml/2006/main">
   <p:cSld>
     <p:spTree>
@@ -13215,7 +15919,13 @@
               <a:buAutoNum type="arabicParenR"/>
             </a:pPr>
             <a:r>
-              <a:rPr lang="en-US" dirty="0" smtClean="0"/>
+              <a:rPr lang="en-US" dirty="0" smtClean="0">
+                <a:solidFill>
+                  <a:schemeClr val="bg2">
+                    <a:lumMod val="75000"/>
+                  </a:schemeClr>
+                </a:solidFill>
+              </a:rPr>
               <a:t>Filter candidates using coupling constraints</a:t>
             </a:r>
           </a:p>
@@ -13224,7 +15934,13 @@
               <a:buAutoNum type="arabicParenR"/>
             </a:pPr>
             <a:r>
-              <a:rPr lang="en-US" dirty="0" smtClean="0"/>
+              <a:rPr lang="en-US" dirty="0" smtClean="0">
+                <a:solidFill>
+                  <a:schemeClr val="bg2">
+                    <a:lumMod val="75000"/>
+                  </a:schemeClr>
+                </a:solidFill>
+              </a:rPr>
               <a:t>Rank filtered candidates</a:t>
             </a:r>
           </a:p>
@@ -13233,7 +15949,13 @@
               <a:buAutoNum type="arabicParenR"/>
             </a:pPr>
             <a:r>
-              <a:rPr lang="en-US" dirty="0" smtClean="0"/>
+              <a:rPr lang="en-US" dirty="0" smtClean="0">
+                <a:solidFill>
+                  <a:schemeClr val="bg2">
+                    <a:lumMod val="75000"/>
+                  </a:schemeClr>
+                </a:solidFill>
+              </a:rPr>
               <a:t>Promote top-ranked candidates</a:t>
             </a:r>
           </a:p>
@@ -13242,10 +15964,22 @@
               <a:buAutoNum type="arabicParenR"/>
             </a:pPr>
             <a:r>
-              <a:rPr lang="en-US" dirty="0" smtClean="0"/>
+              <a:rPr lang="en-US" dirty="0" smtClean="0">
+                <a:solidFill>
+                  <a:schemeClr val="bg2">
+                    <a:lumMod val="75000"/>
+                  </a:schemeClr>
+                </a:solidFill>
+              </a:rPr>
               <a:t>Rinse and repeat</a:t>
             </a:r>
-            <a:endParaRPr lang="en-US" dirty="0"/>
+            <a:endParaRPr lang="en-US" dirty="0">
+              <a:solidFill>
+                <a:schemeClr val="bg2">
+                  <a:lumMod val="75000"/>
+                </a:schemeClr>
+              </a:solidFill>
+            </a:endParaRPr>
           </a:p>
         </p:txBody>
       </p:sp>
@@ -13700,620 +16434,13 @@
   <p:clrMapOvr>
     <a:masterClrMapping/>
   </p:clrMapOvr>
-</p:sld>
-</file>
-
-<file path=ppt/slides/slide9.xml><?xml version="1.0" encoding="utf-8"?>
-<p:sld xmlns:a="http://schemas.openxmlformats.org/drawingml/2006/main" xmlns:r="http://schemas.openxmlformats.org/officeDocument/2006/relationships" xmlns:p="http://schemas.openxmlformats.org/presentationml/2006/main">
-  <p:cSld>
-    <p:spTree>
-      <p:nvGrpSpPr>
-        <p:cNvPr id="1" name=""/>
-        <p:cNvGrpSpPr/>
-        <p:nvPr/>
-      </p:nvGrpSpPr>
-      <p:grpSpPr>
-        <a:xfrm>
-          <a:off x="0" y="0"/>
-          <a:ext cx="0" cy="0"/>
-          <a:chOff x="0" y="0"/>
-          <a:chExt cx="0" cy="0"/>
-        </a:xfrm>
-      </p:grpSpPr>
-      <p:sp>
-        <p:nvSpPr>
-          <p:cNvPr id="2" name="Title 1"/>
-          <p:cNvSpPr>
-            <a:spLocks noGrp="1"/>
-          </p:cNvSpPr>
-          <p:nvPr>
-            <p:ph type="title"/>
-          </p:nvPr>
-        </p:nvSpPr>
-        <p:spPr>
-          <a:xfrm>
-            <a:off x="838200" y="365126"/>
-            <a:ext cx="10515600" cy="788172"/>
-          </a:xfrm>
-        </p:spPr>
-        <p:txBody>
-          <a:bodyPr/>
-          <a:lstStyle/>
-          <a:p>
-            <a:r>
-              <a:rPr lang="en-US" dirty="0" smtClean="0"/>
-              <a:t>Coupled SEAL</a:t>
-            </a:r>
-            <a:endParaRPr lang="en-US" dirty="0"/>
-          </a:p>
-        </p:txBody>
-      </p:sp>
-      <p:sp>
-        <p:nvSpPr>
-          <p:cNvPr id="3" name="Content Placeholder 2"/>
-          <p:cNvSpPr>
-            <a:spLocks noGrp="1"/>
-          </p:cNvSpPr>
-          <p:nvPr>
-            <p:ph idx="1"/>
-          </p:nvPr>
-        </p:nvSpPr>
-        <p:spPr>
-          <a:xfrm>
-            <a:off x="838200" y="1214376"/>
-            <a:ext cx="10515600" cy="2686188"/>
-          </a:xfrm>
-        </p:spPr>
-        <p:txBody>
-          <a:bodyPr/>
-          <a:lstStyle/>
-          <a:p>
-            <a:pPr marL="514350" indent="-514350">
-              <a:buAutoNum type="arabicParenR"/>
-            </a:pPr>
-            <a:r>
-              <a:rPr lang="en-US" dirty="0" smtClean="0"/>
-              <a:t>Run SEAL to extract new candidates and their wrappers</a:t>
-            </a:r>
-          </a:p>
-          <a:p>
-            <a:pPr marL="514350" indent="-514350">
-              <a:buAutoNum type="arabicParenR"/>
-            </a:pPr>
-            <a:r>
-              <a:rPr lang="en-US" dirty="0" smtClean="0"/>
-              <a:t>Filter wrappers/candidates using coupling constraints</a:t>
-            </a:r>
-          </a:p>
-          <a:p>
-            <a:pPr marL="514350" indent="-514350">
-              <a:buAutoNum type="arabicParenR"/>
-            </a:pPr>
-            <a:r>
-              <a:rPr lang="en-US" dirty="0" smtClean="0"/>
-              <a:t>Rank filtered candidates</a:t>
-            </a:r>
-          </a:p>
-          <a:p>
-            <a:pPr marL="514350" indent="-514350">
-              <a:buAutoNum type="arabicParenR"/>
-            </a:pPr>
-            <a:r>
-              <a:rPr lang="en-US" dirty="0" smtClean="0"/>
-              <a:t>Promote top-ranked candidates</a:t>
-            </a:r>
-          </a:p>
-          <a:p>
-            <a:pPr marL="514350" indent="-514350">
-              <a:buAutoNum type="arabicParenR"/>
-            </a:pPr>
-            <a:r>
-              <a:rPr lang="en-US" dirty="0" smtClean="0"/>
-              <a:t>Rinse and repeat</a:t>
-            </a:r>
-            <a:endParaRPr lang="en-US" dirty="0"/>
-          </a:p>
-        </p:txBody>
-      </p:sp>
-      <p:sp>
-        <p:nvSpPr>
-          <p:cNvPr id="4" name="TextBox 3"/>
-          <p:cNvSpPr txBox="1"/>
-          <p:nvPr/>
-        </p:nvSpPr>
-        <p:spPr>
-          <a:xfrm>
-            <a:off x="3877963" y="4105575"/>
-            <a:ext cx="3898556" cy="369332"/>
-          </a:xfrm>
-          <a:prstGeom prst="rect">
-            <a:avLst/>
-          </a:prstGeom>
-          <a:noFill/>
-        </p:spPr>
-        <p:txBody>
-          <a:bodyPr wrap="square" rtlCol="0">
-            <a:spAutoFit/>
-          </a:bodyPr>
-          <a:lstStyle/>
-          <a:p>
-            <a:r>
-              <a:rPr lang="en-US" dirty="0" smtClean="0">
-                <a:solidFill>
-                  <a:srgbClr val="FF0000"/>
-                </a:solidFill>
-              </a:rPr>
-              <a:t>&lt;a class=“car”&gt;</a:t>
-            </a:r>
-            <a:r>
-              <a:rPr lang="en-US" dirty="0" smtClean="0">
-                <a:solidFill>
-                  <a:srgbClr val="0070C0"/>
-                </a:solidFill>
-              </a:rPr>
-              <a:t>Audi</a:t>
-            </a:r>
-            <a:r>
-              <a:rPr lang="en-US" dirty="0" smtClean="0">
-                <a:solidFill>
-                  <a:srgbClr val="FF0000"/>
-                </a:solidFill>
-              </a:rPr>
-              <a:t>&lt;/a&gt;</a:t>
-            </a:r>
-          </a:p>
-        </p:txBody>
-      </p:sp>
-      <p:sp>
-        <p:nvSpPr>
-          <p:cNvPr id="5" name="TextBox 4"/>
-          <p:cNvSpPr txBox="1"/>
-          <p:nvPr/>
-        </p:nvSpPr>
-        <p:spPr>
-          <a:xfrm>
-            <a:off x="5346355" y="4474906"/>
-            <a:ext cx="518984" cy="338554"/>
-          </a:xfrm>
-          <a:prstGeom prst="rect">
-            <a:avLst/>
-          </a:prstGeom>
-          <a:noFill/>
-        </p:spPr>
-        <p:txBody>
-          <a:bodyPr wrap="square" rtlCol="0">
-            <a:spAutoFit/>
-          </a:bodyPr>
-          <a:lstStyle/>
-          <a:p>
-            <a:r>
-              <a:rPr lang="en-US" sz="1600" i="1" dirty="0" smtClean="0">
-                <a:solidFill>
-                  <a:srgbClr val="0070C0"/>
-                </a:solidFill>
-              </a:rPr>
-              <a:t>NP</a:t>
-            </a:r>
-            <a:endParaRPr lang="en-US" sz="1600" i="1" dirty="0">
-              <a:solidFill>
-                <a:srgbClr val="0070C0"/>
-              </a:solidFill>
-            </a:endParaRPr>
-          </a:p>
-        </p:txBody>
-      </p:sp>
-      <p:sp>
-        <p:nvSpPr>
-          <p:cNvPr id="6" name="TextBox 5"/>
-          <p:cNvSpPr txBox="1"/>
-          <p:nvPr/>
-        </p:nvSpPr>
-        <p:spPr>
-          <a:xfrm>
-            <a:off x="4262050" y="4424956"/>
-            <a:ext cx="1084305" cy="338554"/>
-          </a:xfrm>
-          <a:prstGeom prst="rect">
-            <a:avLst/>
-          </a:prstGeom>
-          <a:noFill/>
-        </p:spPr>
-        <p:txBody>
-          <a:bodyPr wrap="square" rtlCol="0">
-            <a:spAutoFit/>
-          </a:bodyPr>
-          <a:lstStyle/>
-          <a:p>
-            <a:r>
-              <a:rPr lang="en-US" sz="1600" i="1" dirty="0" smtClean="0">
-                <a:solidFill>
-                  <a:srgbClr val="FF0000"/>
-                </a:solidFill>
-              </a:rPr>
-              <a:t>Pattern</a:t>
-            </a:r>
-            <a:endParaRPr lang="en-US" i="1" dirty="0">
-              <a:solidFill>
-                <a:srgbClr val="FF0000"/>
-              </a:solidFill>
-            </a:endParaRPr>
-          </a:p>
-        </p:txBody>
-      </p:sp>
-      <p:sp>
-        <p:nvSpPr>
-          <p:cNvPr id="7" name="TextBox 6"/>
-          <p:cNvSpPr txBox="1"/>
-          <p:nvPr/>
-        </p:nvSpPr>
-        <p:spPr>
-          <a:xfrm>
-            <a:off x="8394357" y="4105575"/>
-            <a:ext cx="2372497" cy="646331"/>
-          </a:xfrm>
-          <a:prstGeom prst="rect">
-            <a:avLst/>
-          </a:prstGeom>
-          <a:noFill/>
-        </p:spPr>
-        <p:txBody>
-          <a:bodyPr wrap="square" rtlCol="0">
-            <a:spAutoFit/>
-          </a:bodyPr>
-          <a:lstStyle/>
-          <a:p>
-            <a:r>
-              <a:rPr lang="en-US" dirty="0" smtClean="0"/>
-              <a:t>Category</a:t>
-            </a:r>
-          </a:p>
-          <a:p>
-            <a:r>
-              <a:rPr lang="en-US" dirty="0" err="1" smtClean="0">
-                <a:solidFill>
-                  <a:srgbClr val="00B050"/>
-                </a:solidFill>
-              </a:rPr>
-              <a:t>CarMake</a:t>
-            </a:r>
-            <a:endParaRPr lang="en-US" dirty="0">
-              <a:solidFill>
-                <a:srgbClr val="00B050"/>
-              </a:solidFill>
-            </a:endParaRPr>
-          </a:p>
-        </p:txBody>
-      </p:sp>
-      <p:sp>
-        <p:nvSpPr>
-          <p:cNvPr id="8" name="TextBox 7"/>
-          <p:cNvSpPr txBox="1"/>
-          <p:nvPr/>
-        </p:nvSpPr>
-        <p:spPr>
-          <a:xfrm>
-            <a:off x="1186248" y="5000367"/>
-            <a:ext cx="3888260" cy="923330"/>
-          </a:xfrm>
-          <a:prstGeom prst="rect">
-            <a:avLst/>
-          </a:prstGeom>
-          <a:noFill/>
-        </p:spPr>
-        <p:txBody>
-          <a:bodyPr wrap="square" rtlCol="0">
-            <a:spAutoFit/>
-          </a:bodyPr>
-          <a:lstStyle/>
-          <a:p>
-            <a:r>
-              <a:rPr lang="en-US" dirty="0" smtClean="0"/>
-              <a:t>Associated Promoted Patterns</a:t>
-            </a:r>
-          </a:p>
-          <a:p>
-            <a:r>
-              <a:rPr lang="en-US" i="1" dirty="0" smtClean="0"/>
-              <a:t>- </a:t>
-            </a:r>
-            <a:r>
-              <a:rPr lang="en-US" dirty="0" smtClean="0"/>
-              <a:t>&lt;p class=“auto”&gt;</a:t>
-            </a:r>
-            <a:r>
-              <a:rPr lang="en-US" i="1" dirty="0" smtClean="0"/>
-              <a:t>arg1</a:t>
-            </a:r>
-            <a:r>
-              <a:rPr lang="en-US" dirty="0" smtClean="0"/>
-              <a:t>&lt;/p&gt;</a:t>
-            </a:r>
-          </a:p>
-          <a:p>
-            <a:r>
-              <a:rPr lang="en-US" i="1" dirty="0" smtClean="0"/>
-              <a:t>- </a:t>
-            </a:r>
-            <a:r>
-              <a:rPr lang="en-US" dirty="0" smtClean="0"/>
-              <a:t>&lt;a </a:t>
-            </a:r>
-            <a:r>
-              <a:rPr lang="en-US" dirty="0" err="1" smtClean="0"/>
-              <a:t>href</a:t>
-            </a:r>
-            <a:r>
-              <a:rPr lang="en-US" dirty="0" smtClean="0"/>
-              <a:t>=“car”&gt;</a:t>
-            </a:r>
-            <a:r>
-              <a:rPr lang="en-US" i="1" dirty="0" smtClean="0"/>
-              <a:t>arg1</a:t>
-            </a:r>
-            <a:r>
-              <a:rPr lang="en-US" dirty="0" smtClean="0"/>
-              <a:t>&lt;/a&gt;</a:t>
-            </a:r>
-          </a:p>
-        </p:txBody>
-      </p:sp>
-      <p:sp>
-        <p:nvSpPr>
-          <p:cNvPr id="9" name="TextBox 8"/>
-          <p:cNvSpPr txBox="1"/>
-          <p:nvPr/>
-        </p:nvSpPr>
-        <p:spPr>
-          <a:xfrm>
-            <a:off x="6450227" y="4956917"/>
-            <a:ext cx="3888260" cy="923330"/>
-          </a:xfrm>
-          <a:prstGeom prst="rect">
-            <a:avLst/>
-          </a:prstGeom>
-          <a:noFill/>
-        </p:spPr>
-        <p:txBody>
-          <a:bodyPr wrap="square" rtlCol="0">
-            <a:spAutoFit/>
-          </a:bodyPr>
-          <a:lstStyle/>
-          <a:p>
-            <a:r>
-              <a:rPr lang="en-US" dirty="0" smtClean="0"/>
-              <a:t>Associated Promoted Instances</a:t>
-            </a:r>
-          </a:p>
-          <a:p>
-            <a:r>
-              <a:rPr lang="en-US" dirty="0" smtClean="0"/>
-              <a:t>- Ford</a:t>
-            </a:r>
-          </a:p>
-          <a:p>
-            <a:r>
-              <a:rPr lang="en-US" dirty="0" smtClean="0"/>
-              <a:t>- Audi</a:t>
-            </a:r>
-          </a:p>
-        </p:txBody>
-      </p:sp>
-      <p:cxnSp>
-        <p:nvCxnSpPr>
-          <p:cNvPr id="10" name="Straight Arrow Connector 9"/>
-          <p:cNvCxnSpPr/>
-          <p:nvPr/>
-        </p:nvCxnSpPr>
-        <p:spPr>
-          <a:xfrm flipV="1">
-            <a:off x="4539048" y="4739841"/>
-            <a:ext cx="67449" cy="1010170"/>
-          </a:xfrm>
-          <a:prstGeom prst="straightConnector1">
-            <a:avLst/>
-          </a:prstGeom>
-          <a:ln>
-            <a:tailEnd type="triangle"/>
-          </a:ln>
-        </p:spPr>
-        <p:style>
-          <a:lnRef idx="1">
-            <a:schemeClr val="accent1"/>
-          </a:lnRef>
-          <a:fillRef idx="0">
-            <a:schemeClr val="accent1"/>
-          </a:fillRef>
-          <a:effectRef idx="0">
-            <a:schemeClr val="accent1"/>
-          </a:effectRef>
-          <a:fontRef idx="minor">
-            <a:schemeClr val="tx1"/>
-          </a:fontRef>
-        </p:style>
-      </p:cxnSp>
-      <p:cxnSp>
-        <p:nvCxnSpPr>
-          <p:cNvPr id="11" name="Straight Arrow Connector 10"/>
-          <p:cNvCxnSpPr/>
-          <p:nvPr/>
-        </p:nvCxnSpPr>
-        <p:spPr>
-          <a:xfrm flipH="1" flipV="1">
-            <a:off x="5758249" y="4843726"/>
-            <a:ext cx="611143" cy="848620"/>
-          </a:xfrm>
-          <a:prstGeom prst="straightConnector1">
-            <a:avLst/>
-          </a:prstGeom>
-          <a:ln>
-            <a:tailEnd type="triangle"/>
-          </a:ln>
-        </p:spPr>
-        <p:style>
-          <a:lnRef idx="1">
-            <a:schemeClr val="accent1"/>
-          </a:lnRef>
-          <a:fillRef idx="0">
-            <a:schemeClr val="accent1"/>
-          </a:fillRef>
-          <a:effectRef idx="0">
-            <a:schemeClr val="accent1"/>
-          </a:effectRef>
-          <a:fontRef idx="minor">
-            <a:schemeClr val="tx1"/>
-          </a:fontRef>
-        </p:style>
-      </p:cxnSp>
-      <p:sp>
-        <p:nvSpPr>
-          <p:cNvPr id="12" name="TextBox 11"/>
-          <p:cNvSpPr txBox="1"/>
-          <p:nvPr/>
-        </p:nvSpPr>
-        <p:spPr>
-          <a:xfrm>
-            <a:off x="6264875" y="5941325"/>
-            <a:ext cx="4501979" cy="646331"/>
-          </a:xfrm>
-          <a:prstGeom prst="rect">
-            <a:avLst/>
-          </a:prstGeom>
-          <a:noFill/>
-        </p:spPr>
-        <p:txBody>
-          <a:bodyPr wrap="square" rtlCol="0">
-            <a:spAutoFit/>
-          </a:bodyPr>
-          <a:lstStyle/>
-          <a:p>
-            <a:r>
-              <a:rPr lang="en-US" dirty="0" smtClean="0"/>
-              <a:t>=&gt; </a:t>
-            </a:r>
-            <a:r>
-              <a:rPr lang="en-US" dirty="0" smtClean="0">
-                <a:solidFill>
-                  <a:srgbClr val="FF0000"/>
-                </a:solidFill>
-              </a:rPr>
-              <a:t>&lt;a class=“car”&gt;</a:t>
-            </a:r>
-            <a:r>
-              <a:rPr lang="en-US" i="1" dirty="0" smtClean="0">
-                <a:solidFill>
-                  <a:srgbClr val="FF0000"/>
-                </a:solidFill>
-              </a:rPr>
-              <a:t>arg1</a:t>
-            </a:r>
-            <a:r>
-              <a:rPr lang="en-US" dirty="0" smtClean="0">
-                <a:solidFill>
-                  <a:srgbClr val="FF0000"/>
-                </a:solidFill>
-              </a:rPr>
-              <a:t>&lt;/a&gt;</a:t>
-            </a:r>
-            <a:r>
-              <a:rPr lang="en-US" dirty="0" smtClean="0"/>
-              <a:t> is new </a:t>
-            </a:r>
-            <a:r>
-              <a:rPr lang="en-US" dirty="0" err="1" smtClean="0">
-                <a:solidFill>
-                  <a:srgbClr val="00B050"/>
-                </a:solidFill>
-              </a:rPr>
-              <a:t>CarMake</a:t>
-            </a:r>
-            <a:r>
-              <a:rPr lang="en-US" dirty="0" smtClean="0">
-                <a:solidFill>
-                  <a:srgbClr val="00B050"/>
-                </a:solidFill>
-              </a:rPr>
-              <a:t> </a:t>
-            </a:r>
-            <a:r>
-              <a:rPr lang="en-US" dirty="0" smtClean="0"/>
-              <a:t>category</a:t>
-            </a:r>
-            <a:endParaRPr lang="en-US" dirty="0"/>
-          </a:p>
-        </p:txBody>
-      </p:sp>
-      <p:sp>
-        <p:nvSpPr>
-          <p:cNvPr id="13" name="TextBox 12"/>
-          <p:cNvSpPr txBox="1"/>
-          <p:nvPr/>
-        </p:nvSpPr>
-        <p:spPr>
-          <a:xfrm>
-            <a:off x="759425" y="6079825"/>
-            <a:ext cx="4741906" cy="369332"/>
-          </a:xfrm>
-          <a:prstGeom prst="rect">
-            <a:avLst/>
-          </a:prstGeom>
-          <a:noFill/>
-        </p:spPr>
-        <p:txBody>
-          <a:bodyPr wrap="square" rtlCol="0">
-            <a:spAutoFit/>
-          </a:bodyPr>
-          <a:lstStyle/>
-          <a:p>
-            <a:r>
-              <a:rPr lang="en-US" dirty="0" smtClean="0"/>
-              <a:t>=&gt; </a:t>
-            </a:r>
-            <a:r>
-              <a:rPr lang="en-US" dirty="0" smtClean="0">
-                <a:solidFill>
-                  <a:srgbClr val="0070C0"/>
-                </a:solidFill>
-              </a:rPr>
-              <a:t>Audi </a:t>
-            </a:r>
-            <a:r>
-              <a:rPr lang="en-US" dirty="0" smtClean="0"/>
-              <a:t>is new </a:t>
-            </a:r>
-            <a:r>
-              <a:rPr lang="en-US" dirty="0" err="1" smtClean="0">
-                <a:solidFill>
-                  <a:srgbClr val="00B050"/>
-                </a:solidFill>
-              </a:rPr>
-              <a:t>CarMake</a:t>
-            </a:r>
-            <a:r>
-              <a:rPr lang="en-US" dirty="0" smtClean="0">
-                <a:solidFill>
-                  <a:srgbClr val="00B050"/>
-                </a:solidFill>
-              </a:rPr>
-              <a:t> </a:t>
-            </a:r>
-            <a:r>
-              <a:rPr lang="en-US" dirty="0" smtClean="0"/>
-              <a:t>instance</a:t>
-            </a:r>
-            <a:endParaRPr lang="en-US" dirty="0"/>
-          </a:p>
-        </p:txBody>
-      </p:sp>
-    </p:spTree>
-    <p:extLst>
-      <p:ext uri="{BB962C8B-B14F-4D97-AF65-F5344CB8AC3E}">
-        <p14:creationId xmlns:p14="http://schemas.microsoft.com/office/powerpoint/2010/main" val="2558034584"/>
-      </p:ext>
-    </p:extLst>
-  </p:cSld>
-  <p:clrMapOvr>
-    <a:masterClrMapping/>
-  </p:clrMapOvr>
+  <p:timing>
+    <p:tnLst>
+      <p:par>
+        <p:cTn id="1" dur="indefinite" restart="never" nodeType="tmRoot"/>
+      </p:par>
+    </p:tnLst>
+  </p:timing>
 </p:sld>
 </file>
 
